--- a/presentations/Varpulis_Healthcare.pptx
+++ b/presentations/Varpulis_Healthcare.pptx
@@ -12,9 +12,11 @@
     <p:sldId id="260" r:id="rId11"/>
     <p:sldId id="261" r:id="rId12"/>
     <p:sldId id="262" r:id="rId13"/>
+    <p:sldId id="266" r:id="rId17"/>
     <p:sldId id="263" r:id="rId14"/>
     <p:sldId id="264" r:id="rId15"/>
     <p:sldId id="265" r:id="rId16"/>
+    <p:sldId id="267" r:id="rId18"/>
   </p:sldIdLst>
   <p:sldSz cx="9144000" cy="6858000" type="screen4x3"/>
   <p:notesSz cx="6858000" cy="9144000"/>
@@ -3374,7 +3376,7 @@
         <p:spPr>
           <a:xfrm>
             <a:off x="0" y="0"/>
-            <a:ext cx="9144000" cy="54864"/>
+            <a:ext cx="9144000" cy="36576"/>
           </a:xfrm>
           <a:prstGeom prst="rect">
             <a:avLst/>
@@ -3416,8 +3418,8 @@
         </p:nvSpPr>
         <p:spPr>
           <a:xfrm>
-            <a:off x="548640" y="274320"/>
-            <a:ext cx="2743200" cy="457200"/>
+            <a:off x="548640" y="137160"/>
+            <a:ext cx="2743200" cy="320040"/>
           </a:xfrm>
           <a:prstGeom prst="rect">
             <a:avLst/>
@@ -3431,7 +3433,7 @@
           <a:lstStyle/>
           <a:p>
             <a:pPr algn="l">
-              <a:defRPr sz="1400" b="1">
+              <a:defRPr sz="1000" b="1">
                 <a:solidFill>
                   <a:srgbClr val="00B4D8"/>
                 </a:solidFill>
@@ -3452,8 +3454,8 @@
         </p:nvSpPr>
         <p:spPr>
           <a:xfrm>
-            <a:off x="548640" y="2286000"/>
-            <a:ext cx="7772400" cy="731520"/>
+            <a:off x="548640" y="457200"/>
+            <a:ext cx="7772400" cy="548640"/>
           </a:xfrm>
           <a:prstGeom prst="rect">
             <a:avLst/>
@@ -3466,8 +3468,8 @@
           </a:bodyPr>
           <a:lstStyle/>
           <a:p>
-            <a:pPr algn="ctr">
-              <a:defRPr sz="3600" b="1">
+            <a:pPr algn="l">
+              <a:defRPr sz="2800" b="1">
                 <a:solidFill>
                   <a:srgbClr val="FFFFFF"/>
                 </a:solidFill>
@@ -3475,93 +3477,21 @@
               </a:defRPr>
             </a:pPr>
             <a:r>
-              <a:t>Protect Patients. Alert Sooner. Deploy Anywhere.</a:t>
-            </a:r>
-          </a:p>
-        </p:txBody>
-      </p:sp>
-      <p:sp>
-        <p:nvSpPr>
-          <p:cNvPr id="5" name="TextBox 4"/>
-          <p:cNvSpPr txBox="1"/>
-          <p:nvPr/>
-        </p:nvSpPr>
-        <p:spPr>
-          <a:xfrm>
-            <a:off x="548640" y="3200400"/>
-            <a:ext cx="7772400" cy="548640"/>
-          </a:xfrm>
-          <a:prstGeom prst="rect">
-            <a:avLst/>
-          </a:prstGeom>
-          <a:noFill/>
-        </p:spPr>
-        <p:txBody>
-          <a:bodyPr wrap="square">
-            <a:spAutoFit/>
-          </a:bodyPr>
-          <a:lstStyle/>
-          <a:p>
-            <a:pPr algn="ctr">
-              <a:defRPr sz="1800" b="0">
-                <a:solidFill>
-                  <a:srgbClr val="B0C4DE"/>
-                </a:solidFill>
-                <a:latin typeface="Calibri"/>
-              </a:defRPr>
-            </a:pPr>
-            <a:r>
-              <a:t>See Varpulis detect a drug interaction in real time</a:t>
-            </a:r>
-          </a:p>
-        </p:txBody>
-      </p:sp>
-      <p:sp>
-        <p:nvSpPr>
-          <p:cNvPr id="6" name="TextBox 5"/>
-          <p:cNvSpPr txBox="1"/>
-          <p:nvPr/>
-        </p:nvSpPr>
-        <p:spPr>
-          <a:xfrm>
-            <a:off x="548640" y="4572000"/>
-            <a:ext cx="7772400" cy="365760"/>
-          </a:xfrm>
-          <a:prstGeom prst="rect">
-            <a:avLst/>
-          </a:prstGeom>
-          <a:noFill/>
-        </p:spPr>
-        <p:txBody>
-          <a:bodyPr wrap="square">
-            <a:spAutoFit/>
-          </a:bodyPr>
-          <a:lstStyle/>
-          <a:p>
-            <a:pPr algn="ctr">
-              <a:defRPr sz="1600" b="1">
-                <a:solidFill>
-                  <a:srgbClr val="00B4D8"/>
-                </a:solidFill>
-                <a:latin typeface="Calibri"/>
-              </a:defRPr>
-            </a:pPr>
-            <a:r>
-              <a:t>demo.varpulis-cep.com</a:t>
-            </a:r>
-          </a:p>
-        </p:txBody>
-      </p:sp>
-      <p:sp>
-        <p:nvSpPr>
-          <p:cNvPr id="7" name="Rectangle 6"/>
+              <a:t>Clinical and Operational ROI</a:t>
+            </a:r>
+          </a:p>
+        </p:txBody>
+      </p:sp>
+      <p:sp>
+        <p:nvSpPr>
+          <p:cNvPr id="5" name="Rectangle 4"/>
           <p:cNvSpPr/>
           <p:nvPr/>
         </p:nvSpPr>
         <p:spPr>
           <a:xfrm>
-            <a:off x="0" y="6803136"/>
-            <a:ext cx="9144000" cy="54864"/>
+            <a:off x="548640" y="1051560"/>
+            <a:ext cx="1371600" cy="25400"/>
           </a:xfrm>
           <a:prstGeom prst="rect">
             <a:avLst/>
@@ -3592,6 +3522,1981 @@
           <a:lstStyle/>
           <a:p>
             <a:pPr algn="ctr"/>
+          </a:p>
+        </p:txBody>
+      </p:sp>
+      <p:sp>
+        <p:nvSpPr>
+          <p:cNvPr id="6" name="Rectangle 5"/>
+          <p:cNvSpPr/>
+          <p:nvPr/>
+        </p:nvSpPr>
+        <p:spPr>
+          <a:xfrm>
+            <a:off x="274320" y="1463040"/>
+            <a:ext cx="2011680" cy="1097280"/>
+          </a:xfrm>
+          <a:prstGeom prst="rect">
+            <a:avLst/>
+          </a:prstGeom>
+          <a:solidFill>
+            <a:srgbClr val="14283C"/>
+          </a:solidFill>
+          <a:ln>
+            <a:noFill/>
+          </a:ln>
+        </p:spPr>
+        <p:style>
+          <a:lnRef idx="1">
+            <a:schemeClr val="accent1"/>
+          </a:lnRef>
+          <a:fillRef idx="3">
+            <a:schemeClr val="accent1"/>
+          </a:fillRef>
+          <a:effectRef idx="2">
+            <a:schemeClr val="accent1"/>
+          </a:effectRef>
+          <a:fontRef idx="minor">
+            <a:schemeClr val="lt1"/>
+          </a:fontRef>
+        </p:style>
+        <p:txBody>
+          <a:bodyPr rtlCol="0" anchor="ctr"/>
+          <a:lstStyle/>
+          <a:p>
+            <a:pPr algn="ctr"/>
+          </a:p>
+        </p:txBody>
+      </p:sp>
+      <p:sp>
+        <p:nvSpPr>
+          <p:cNvPr id="7" name="TextBox 6"/>
+          <p:cNvSpPr txBox="1"/>
+          <p:nvPr/>
+        </p:nvSpPr>
+        <p:spPr>
+          <a:xfrm>
+            <a:off x="274320" y="1600200"/>
+            <a:ext cx="2011680" cy="548640"/>
+          </a:xfrm>
+          <a:prstGeom prst="rect">
+            <a:avLst/>
+          </a:prstGeom>
+          <a:noFill/>
+        </p:spPr>
+        <p:txBody>
+          <a:bodyPr wrap="square">
+            <a:spAutoFit/>
+          </a:bodyPr>
+          <a:lstStyle/>
+          <a:p>
+            <a:pPr algn="ctr">
+              <a:defRPr sz="3600" b="1">
+                <a:solidFill>
+                  <a:srgbClr val="00C9A7"/>
+                </a:solidFill>
+                <a:latin typeface="Calibri"/>
+              </a:defRPr>
+            </a:pPr>
+            <a:r>
+              <a:t>&lt; 1 ms</a:t>
+            </a:r>
+          </a:p>
+        </p:txBody>
+      </p:sp>
+      <p:sp>
+        <p:nvSpPr>
+          <p:cNvPr id="8" name="TextBox 7"/>
+          <p:cNvSpPr txBox="1"/>
+          <p:nvPr/>
+        </p:nvSpPr>
+        <p:spPr>
+          <a:xfrm>
+            <a:off x="365760" y="2103120"/>
+            <a:ext cx="1828800" cy="457200"/>
+          </a:xfrm>
+          <a:prstGeom prst="rect">
+            <a:avLst/>
+          </a:prstGeom>
+          <a:noFill/>
+        </p:spPr>
+        <p:txBody>
+          <a:bodyPr wrap="square">
+            <a:spAutoFit/>
+          </a:bodyPr>
+          <a:lstStyle/>
+          <a:p>
+            <a:pPr algn="ctr">
+              <a:defRPr sz="1100" b="0">
+                <a:solidFill>
+                  <a:srgbClr val="B0C4DE"/>
+                </a:solidFill>
+                <a:latin typeface="Calibri"/>
+              </a:defRPr>
+            </a:pPr>
+            <a:r>
+              <a:t>Alert before</a:t>
+            </a:r>
+            <a:br/>
+            <a:r>
+              <a:t>administration</a:t>
+            </a:r>
+          </a:p>
+        </p:txBody>
+      </p:sp>
+      <p:sp>
+        <p:nvSpPr>
+          <p:cNvPr id="9" name="Rectangle 8"/>
+          <p:cNvSpPr/>
+          <p:nvPr/>
+        </p:nvSpPr>
+        <p:spPr>
+          <a:xfrm>
+            <a:off x="2468880" y="1463040"/>
+            <a:ext cx="2011680" cy="1097280"/>
+          </a:xfrm>
+          <a:prstGeom prst="rect">
+            <a:avLst/>
+          </a:prstGeom>
+          <a:solidFill>
+            <a:srgbClr val="14283C"/>
+          </a:solidFill>
+          <a:ln>
+            <a:noFill/>
+          </a:ln>
+        </p:spPr>
+        <p:style>
+          <a:lnRef idx="1">
+            <a:schemeClr val="accent1"/>
+          </a:lnRef>
+          <a:fillRef idx="3">
+            <a:schemeClr val="accent1"/>
+          </a:fillRef>
+          <a:effectRef idx="2">
+            <a:schemeClr val="accent1"/>
+          </a:effectRef>
+          <a:fontRef idx="minor">
+            <a:schemeClr val="lt1"/>
+          </a:fontRef>
+        </p:style>
+        <p:txBody>
+          <a:bodyPr rtlCol="0" anchor="ctr"/>
+          <a:lstStyle/>
+          <a:p>
+            <a:pPr algn="ctr"/>
+          </a:p>
+        </p:txBody>
+      </p:sp>
+      <p:sp>
+        <p:nvSpPr>
+          <p:cNvPr id="10" name="TextBox 9"/>
+          <p:cNvSpPr txBox="1"/>
+          <p:nvPr/>
+        </p:nvSpPr>
+        <p:spPr>
+          <a:xfrm>
+            <a:off x="2468880" y="1600200"/>
+            <a:ext cx="2011680" cy="548640"/>
+          </a:xfrm>
+          <a:prstGeom prst="rect">
+            <a:avLst/>
+          </a:prstGeom>
+          <a:noFill/>
+        </p:spPr>
+        <p:txBody>
+          <a:bodyPr wrap="square">
+            <a:spAutoFit/>
+          </a:bodyPr>
+          <a:lstStyle/>
+          <a:p>
+            <a:pPr algn="ctr">
+              <a:defRPr sz="3600" b="1">
+                <a:solidFill>
+                  <a:srgbClr val="845EF7"/>
+                </a:solidFill>
+                <a:latin typeface="Calibri"/>
+              </a:defRPr>
+            </a:pPr>
+            <a:r>
+              <a:t>90%</a:t>
+            </a:r>
+          </a:p>
+        </p:txBody>
+      </p:sp>
+      <p:sp>
+        <p:nvSpPr>
+          <p:cNvPr id="11" name="TextBox 10"/>
+          <p:cNvSpPr txBox="1"/>
+          <p:nvPr/>
+        </p:nvSpPr>
+        <p:spPr>
+          <a:xfrm>
+            <a:off x="2560320" y="2103120"/>
+            <a:ext cx="1828800" cy="457200"/>
+          </a:xfrm>
+          <a:prstGeom prst="rect">
+            <a:avLst/>
+          </a:prstGeom>
+          <a:noFill/>
+        </p:spPr>
+        <p:txBody>
+          <a:bodyPr wrap="square">
+            <a:spAutoFit/>
+          </a:bodyPr>
+          <a:lstStyle/>
+          <a:p>
+            <a:pPr algn="ctr">
+              <a:defRPr sz="1100" b="0">
+                <a:solidFill>
+                  <a:srgbClr val="B0C4DE"/>
+                </a:solidFill>
+                <a:latin typeface="Calibri"/>
+              </a:defRPr>
+            </a:pPr>
+            <a:r>
+              <a:t>Alarm fatigue</a:t>
+            </a:r>
+            <a:br/>
+            <a:r>
+              <a:t>reduction</a:t>
+            </a:r>
+          </a:p>
+        </p:txBody>
+      </p:sp>
+      <p:sp>
+        <p:nvSpPr>
+          <p:cNvPr id="12" name="Rectangle 11"/>
+          <p:cNvSpPr/>
+          <p:nvPr/>
+        </p:nvSpPr>
+        <p:spPr>
+          <a:xfrm>
+            <a:off x="4663440" y="1463040"/>
+            <a:ext cx="2011680" cy="1097280"/>
+          </a:xfrm>
+          <a:prstGeom prst="rect">
+            <a:avLst/>
+          </a:prstGeom>
+          <a:solidFill>
+            <a:srgbClr val="14283C"/>
+          </a:solidFill>
+          <a:ln>
+            <a:noFill/>
+          </a:ln>
+        </p:spPr>
+        <p:style>
+          <a:lnRef idx="1">
+            <a:schemeClr val="accent1"/>
+          </a:lnRef>
+          <a:fillRef idx="3">
+            <a:schemeClr val="accent1"/>
+          </a:fillRef>
+          <a:effectRef idx="2">
+            <a:schemeClr val="accent1"/>
+          </a:effectRef>
+          <a:fontRef idx="minor">
+            <a:schemeClr val="lt1"/>
+          </a:fontRef>
+        </p:style>
+        <p:txBody>
+          <a:bodyPr rtlCol="0" anchor="ctr"/>
+          <a:lstStyle/>
+          <a:p>
+            <a:pPr algn="ctr"/>
+          </a:p>
+        </p:txBody>
+      </p:sp>
+      <p:sp>
+        <p:nvSpPr>
+          <p:cNvPr id="13" name="TextBox 12"/>
+          <p:cNvSpPr txBox="1"/>
+          <p:nvPr/>
+        </p:nvSpPr>
+        <p:spPr>
+          <a:xfrm>
+            <a:off x="4663440" y="1600200"/>
+            <a:ext cx="2011680" cy="548640"/>
+          </a:xfrm>
+          <a:prstGeom prst="rect">
+            <a:avLst/>
+          </a:prstGeom>
+          <a:noFill/>
+        </p:spPr>
+        <p:txBody>
+          <a:bodyPr wrap="square">
+            <a:spAutoFit/>
+          </a:bodyPr>
+          <a:lstStyle/>
+          <a:p>
+            <a:pPr algn="ctr">
+              <a:defRPr sz="3600" b="1">
+                <a:solidFill>
+                  <a:srgbClr val="00C9A7"/>
+                </a:solidFill>
+                <a:latin typeface="Calibri"/>
+              </a:defRPr>
+            </a:pPr>
+            <a:r>
+              <a:t>5×</a:t>
+            </a:r>
+          </a:p>
+        </p:txBody>
+      </p:sp>
+      <p:sp>
+        <p:nvSpPr>
+          <p:cNvPr id="14" name="TextBox 13"/>
+          <p:cNvSpPr txBox="1"/>
+          <p:nvPr/>
+        </p:nvSpPr>
+        <p:spPr>
+          <a:xfrm>
+            <a:off x="4754880" y="2103120"/>
+            <a:ext cx="1828800" cy="457200"/>
+          </a:xfrm>
+          <a:prstGeom prst="rect">
+            <a:avLst/>
+          </a:prstGeom>
+          <a:noFill/>
+        </p:spPr>
+        <p:txBody>
+          <a:bodyPr wrap="square">
+            <a:spAutoFit/>
+          </a:bodyPr>
+          <a:lstStyle/>
+          <a:p>
+            <a:pPr algn="ctr">
+              <a:defRPr sz="1100" b="0">
+                <a:solidFill>
+                  <a:srgbClr val="B0C4DE"/>
+                </a:solidFill>
+                <a:latin typeface="Calibri"/>
+              </a:defRPr>
+            </a:pPr>
+            <a:r>
+              <a:t>More patterns</a:t>
+            </a:r>
+            <a:br/>
+            <a:r>
+              <a:t>detected</a:t>
+            </a:r>
+          </a:p>
+        </p:txBody>
+      </p:sp>
+      <p:sp>
+        <p:nvSpPr>
+          <p:cNvPr id="15" name="Rectangle 14"/>
+          <p:cNvSpPr/>
+          <p:nvPr/>
+        </p:nvSpPr>
+        <p:spPr>
+          <a:xfrm>
+            <a:off x="6858000" y="1463040"/>
+            <a:ext cx="2011680" cy="1097280"/>
+          </a:xfrm>
+          <a:prstGeom prst="rect">
+            <a:avLst/>
+          </a:prstGeom>
+          <a:solidFill>
+            <a:srgbClr val="14283C"/>
+          </a:solidFill>
+          <a:ln>
+            <a:noFill/>
+          </a:ln>
+        </p:spPr>
+        <p:style>
+          <a:lnRef idx="1">
+            <a:schemeClr val="accent1"/>
+          </a:lnRef>
+          <a:fillRef idx="3">
+            <a:schemeClr val="accent1"/>
+          </a:fillRef>
+          <a:effectRef idx="2">
+            <a:schemeClr val="accent1"/>
+          </a:effectRef>
+          <a:fontRef idx="minor">
+            <a:schemeClr val="lt1"/>
+          </a:fontRef>
+        </p:style>
+        <p:txBody>
+          <a:bodyPr rtlCol="0" anchor="ctr"/>
+          <a:lstStyle/>
+          <a:p>
+            <a:pPr algn="ctr"/>
+          </a:p>
+        </p:txBody>
+      </p:sp>
+      <p:sp>
+        <p:nvSpPr>
+          <p:cNvPr id="16" name="TextBox 15"/>
+          <p:cNvSpPr txBox="1"/>
+          <p:nvPr/>
+        </p:nvSpPr>
+        <p:spPr>
+          <a:xfrm>
+            <a:off x="6858000" y="1600200"/>
+            <a:ext cx="2011680" cy="548640"/>
+          </a:xfrm>
+          <a:prstGeom prst="rect">
+            <a:avLst/>
+          </a:prstGeom>
+          <a:noFill/>
+        </p:spPr>
+        <p:txBody>
+          <a:bodyPr wrap="square">
+            <a:spAutoFit/>
+          </a:bodyPr>
+          <a:lstStyle/>
+          <a:p>
+            <a:pPr algn="ctr">
+              <a:defRPr sz="3600" b="1">
+                <a:solidFill>
+                  <a:srgbClr val="845EF7"/>
+                </a:solidFill>
+                <a:latin typeface="Calibri"/>
+              </a:defRPr>
+            </a:pPr>
+            <a:r>
+              <a:t>15×</a:t>
+            </a:r>
+          </a:p>
+        </p:txBody>
+      </p:sp>
+      <p:sp>
+        <p:nvSpPr>
+          <p:cNvPr id="17" name="TextBox 16"/>
+          <p:cNvSpPr txBox="1"/>
+          <p:nvPr/>
+        </p:nvSpPr>
+        <p:spPr>
+          <a:xfrm>
+            <a:off x="6949440" y="2103120"/>
+            <a:ext cx="1828800" cy="457200"/>
+          </a:xfrm>
+          <a:prstGeom prst="rect">
+            <a:avLst/>
+          </a:prstGeom>
+          <a:noFill/>
+        </p:spPr>
+        <p:txBody>
+          <a:bodyPr wrap="square">
+            <a:spAutoFit/>
+          </a:bodyPr>
+          <a:lstStyle/>
+          <a:p>
+            <a:pPr algn="ctr">
+              <a:defRPr sz="1100" b="0">
+                <a:solidFill>
+                  <a:srgbClr val="B0C4DE"/>
+                </a:solidFill>
+                <a:latin typeface="Calibri"/>
+              </a:defRPr>
+            </a:pPr>
+            <a:r>
+              <a:t>Less memory</a:t>
+            </a:r>
+            <a:br/>
+            <a:r>
+              <a:t>than legacy CEP</a:t>
+            </a:r>
+          </a:p>
+        </p:txBody>
+      </p:sp>
+      <p:sp>
+        <p:nvSpPr>
+          <p:cNvPr id="18" name="Rectangle 17"/>
+          <p:cNvSpPr/>
+          <p:nvPr/>
+        </p:nvSpPr>
+        <p:spPr>
+          <a:xfrm>
+            <a:off x="548640" y="2926080"/>
+            <a:ext cx="7772400" cy="25400"/>
+          </a:xfrm>
+          <a:prstGeom prst="rect">
+            <a:avLst/>
+          </a:prstGeom>
+          <a:solidFill>
+            <a:srgbClr val="00C9A7"/>
+          </a:solidFill>
+          <a:ln>
+            <a:noFill/>
+          </a:ln>
+        </p:spPr>
+        <p:style>
+          <a:lnRef idx="1">
+            <a:schemeClr val="accent1"/>
+          </a:lnRef>
+          <a:fillRef idx="3">
+            <a:schemeClr val="accent1"/>
+          </a:fillRef>
+          <a:effectRef idx="2">
+            <a:schemeClr val="accent1"/>
+          </a:effectRef>
+          <a:fontRef idx="minor">
+            <a:schemeClr val="lt1"/>
+          </a:fontRef>
+        </p:style>
+        <p:txBody>
+          <a:bodyPr rtlCol="0" anchor="ctr"/>
+          <a:lstStyle/>
+          <a:p>
+            <a:pPr algn="ctr"/>
+          </a:p>
+        </p:txBody>
+      </p:sp>
+      <p:sp>
+        <p:nvSpPr>
+          <p:cNvPr id="19" name="TextBox 18"/>
+          <p:cNvSpPr txBox="1"/>
+          <p:nvPr/>
+        </p:nvSpPr>
+        <p:spPr>
+          <a:xfrm>
+            <a:off x="548640" y="3002280"/>
+            <a:ext cx="7772400" cy="274320"/>
+          </a:xfrm>
+          <a:prstGeom prst="rect">
+            <a:avLst/>
+          </a:prstGeom>
+          <a:noFill/>
+        </p:spPr>
+        <p:txBody>
+          <a:bodyPr wrap="square">
+            <a:spAutoFit/>
+          </a:bodyPr>
+          <a:lstStyle/>
+          <a:p>
+            <a:pPr algn="l">
+              <a:defRPr sz="1000" b="1">
+                <a:solidFill>
+                  <a:srgbClr val="00C9A7"/>
+                </a:solidFill>
+                <a:latin typeface="Calibri"/>
+              </a:defRPr>
+            </a:pPr>
+            <a:r>
+              <a:t>CLINICAL OUTCOMES</a:t>
+            </a:r>
+          </a:p>
+        </p:txBody>
+      </p:sp>
+      <p:sp>
+        <p:nvSpPr>
+          <p:cNvPr id="20" name="TextBox 19"/>
+          <p:cNvSpPr txBox="1"/>
+          <p:nvPr/>
+        </p:nvSpPr>
+        <p:spPr>
+          <a:xfrm>
+            <a:off x="548640" y="3383280"/>
+            <a:ext cx="7772400" cy="2743200"/>
+          </a:xfrm>
+          <a:prstGeom prst="rect">
+            <a:avLst/>
+          </a:prstGeom>
+          <a:noFill/>
+        </p:spPr>
+        <p:txBody>
+          <a:bodyPr wrap="square">
+            <a:spAutoFit/>
+          </a:bodyPr>
+          <a:lstStyle/>
+          <a:p>
+            <a:pPr>
+              <a:spcAft>
+                <a:spcPts val="600"/>
+              </a:spcAft>
+            </a:pPr>
+            <a:r>
+              <a:rPr sz="1500">
+                <a:solidFill>
+                  <a:srgbClr val="00C9A7"/>
+                </a:solidFill>
+                <a:latin typeface="Calibri"/>
+              </a:rPr>
+              <a:t>▸ </a:t>
+            </a:r>
+            <a:r>
+              <a:rPr sz="1500">
+                <a:solidFill>
+                  <a:srgbClr val="B0C4DE"/>
+                </a:solidFill>
+                <a:latin typeface="Calibri"/>
+              </a:rPr>
+              <a:t>Adverse drug event prevention: detect interactions before medication reaches the patient</a:t>
+            </a:r>
+          </a:p>
+          <a:p>
+            <a:pPr>
+              <a:spcAft>
+                <a:spcPts val="600"/>
+              </a:spcAft>
+            </a:pPr>
+            <a:r>
+              <a:rPr sz="1500">
+                <a:solidFill>
+                  <a:srgbClr val="00C9A7"/>
+                </a:solidFill>
+                <a:latin typeface="Calibri"/>
+              </a:rPr>
+              <a:t>▸ </a:t>
+            </a:r>
+            <a:r>
+              <a:rPr sz="1500">
+                <a:solidFill>
+                  <a:srgbClr val="B0C4DE"/>
+                </a:solidFill>
+                <a:latin typeface="Calibri"/>
+              </a:rPr>
+              <a:t>Early deterioration detection: trend-based alerts 2–4 hours before critical thresholds</a:t>
+            </a:r>
+          </a:p>
+          <a:p>
+            <a:pPr>
+              <a:spcAft>
+                <a:spcPts val="600"/>
+              </a:spcAft>
+            </a:pPr>
+            <a:r>
+              <a:rPr sz="1500">
+                <a:solidFill>
+                  <a:srgbClr val="00C9A7"/>
+                </a:solidFill>
+                <a:latin typeface="Calibri"/>
+              </a:rPr>
+              <a:t>▸ </a:t>
+            </a:r>
+            <a:r>
+              <a:rPr sz="1500">
+                <a:solidFill>
+                  <a:srgbClr val="B0C4DE"/>
+                </a:solidFill>
+                <a:latin typeface="Calibri"/>
+              </a:rPr>
+              <a:t>Alarm fatigue reduction: correlated clinical context replaces cascading threshold alerts</a:t>
+            </a:r>
+          </a:p>
+          <a:p>
+            <a:pPr>
+              <a:spcAft>
+                <a:spcPts val="600"/>
+              </a:spcAft>
+            </a:pPr>
+            <a:r>
+              <a:rPr sz="1500">
+                <a:solidFill>
+                  <a:srgbClr val="00C9A7"/>
+                </a:solidFill>
+                <a:latin typeface="Calibri"/>
+              </a:rPr>
+              <a:t>▸ </a:t>
+            </a:r>
+            <a:r>
+              <a:rPr sz="1500">
+                <a:solidFill>
+                  <a:srgbClr val="B0C4DE"/>
+                </a:solidFill>
+                <a:latin typeface="Calibri"/>
+              </a:rPr>
+              <a:t>Infrastructure efficiency: 10 MB footprint enables bedside and edge deployment</a:t>
+            </a:r>
+          </a:p>
+          <a:p>
+            <a:pPr>
+              <a:spcAft>
+                <a:spcPts val="600"/>
+              </a:spcAft>
+            </a:pPr>
+            <a:r>
+              <a:rPr sz="1500">
+                <a:solidFill>
+                  <a:srgbClr val="00C9A7"/>
+                </a:solidFill>
+                <a:latin typeface="Calibri"/>
+              </a:rPr>
+              <a:t>▸ </a:t>
+            </a:r>
+            <a:r>
+              <a:rPr sz="1500">
+                <a:solidFill>
+                  <a:srgbClr val="B0C4DE"/>
+                </a:solidFill>
+                <a:latin typeface="Calibri"/>
+              </a:rPr>
+              <a:t>Predictive forecasting: PST-based deterioration prediction with conformal confidence bounds</a:t>
+            </a:r>
+          </a:p>
+        </p:txBody>
+      </p:sp>
+    </p:spTree>
+  </p:cSld>
+  <p:clrMapOvr>
+    <a:masterClrMapping/>
+  </p:clrMapOvr>
+</p:sld>
+</file>
+
+<file path=ppt/slides/slide11.xml><?xml version="1.0" encoding="utf-8"?>
+<p:sld xmlns:a="http://schemas.openxmlformats.org/drawingml/2006/main" xmlns:p="http://schemas.openxmlformats.org/presentationml/2006/main" xmlns:r="http://schemas.openxmlformats.org/officeDocument/2006/relationships">
+  <p:cSld>
+    <p:bg>
+      <p:bgPr>
+        <a:solidFill>
+          <a:srgbClr val="0D1B2A"/>
+        </a:solidFill>
+        <a:effectLst/>
+      </p:bgPr>
+    </p:bg>
+    <p:spTree>
+      <p:nvGrpSpPr>
+        <p:cNvPr id="1" name=""/>
+        <p:cNvGrpSpPr/>
+        <p:nvPr/>
+      </p:nvGrpSpPr>
+      <p:grpSpPr/>
+      <p:sp>
+        <p:nvSpPr>
+          <p:cNvPr id="2" name="Rectangle 1"/>
+          <p:cNvSpPr/>
+          <p:nvPr/>
+        </p:nvSpPr>
+        <p:spPr>
+          <a:xfrm>
+            <a:off x="0" y="0"/>
+            <a:ext cx="9144000" cy="54864"/>
+          </a:xfrm>
+          <a:prstGeom prst="rect">
+            <a:avLst/>
+          </a:prstGeom>
+          <a:solidFill>
+            <a:srgbClr val="00B4D8"/>
+          </a:solidFill>
+          <a:ln>
+            <a:noFill/>
+          </a:ln>
+        </p:spPr>
+        <p:style>
+          <a:lnRef idx="1">
+            <a:schemeClr val="accent1"/>
+          </a:lnRef>
+          <a:fillRef idx="3">
+            <a:schemeClr val="accent1"/>
+          </a:fillRef>
+          <a:effectRef idx="2">
+            <a:schemeClr val="accent1"/>
+          </a:effectRef>
+          <a:fontRef idx="minor">
+            <a:schemeClr val="lt1"/>
+          </a:fontRef>
+        </p:style>
+        <p:txBody>
+          <a:bodyPr rtlCol="0" anchor="ctr"/>
+          <a:lstStyle/>
+          <a:p>
+            <a:pPr algn="ctr"/>
+          </a:p>
+        </p:txBody>
+      </p:sp>
+      <p:sp>
+        <p:nvSpPr>
+          <p:cNvPr id="3" name="TextBox 2"/>
+          <p:cNvSpPr txBox="1"/>
+          <p:nvPr/>
+        </p:nvSpPr>
+        <p:spPr>
+          <a:xfrm>
+            <a:off x="548640" y="274320"/>
+            <a:ext cx="2743200" cy="457200"/>
+          </a:xfrm>
+          <a:prstGeom prst="rect">
+            <a:avLst/>
+          </a:prstGeom>
+          <a:noFill/>
+        </p:spPr>
+        <p:txBody>
+          <a:bodyPr wrap="square">
+            <a:spAutoFit/>
+          </a:bodyPr>
+          <a:lstStyle/>
+          <a:p>
+            <a:pPr algn="l">
+              <a:defRPr sz="1400" b="1">
+                <a:solidFill>
+                  <a:srgbClr val="00B4D8"/>
+                </a:solidFill>
+                <a:latin typeface="Calibri"/>
+              </a:defRPr>
+            </a:pPr>
+            <a:r>
+              <a:t>VARPULIS</a:t>
+            </a:r>
+          </a:p>
+        </p:txBody>
+      </p:sp>
+      <p:sp>
+        <p:nvSpPr>
+          <p:cNvPr id="4" name="TextBox 3"/>
+          <p:cNvSpPr txBox="1"/>
+          <p:nvPr/>
+        </p:nvSpPr>
+        <p:spPr>
+          <a:xfrm>
+            <a:off x="548640" y="2286000"/>
+            <a:ext cx="7772400" cy="731520"/>
+          </a:xfrm>
+          <a:prstGeom prst="rect">
+            <a:avLst/>
+          </a:prstGeom>
+          <a:noFill/>
+        </p:spPr>
+        <p:txBody>
+          <a:bodyPr wrap="square">
+            <a:spAutoFit/>
+          </a:bodyPr>
+          <a:lstStyle/>
+          <a:p>
+            <a:pPr algn="ctr">
+              <a:defRPr sz="3600" b="1">
+                <a:solidFill>
+                  <a:srgbClr val="FFFFFF"/>
+                </a:solidFill>
+                <a:latin typeface="Calibri"/>
+              </a:defRPr>
+            </a:pPr>
+            <a:r>
+              <a:t>Protect Patients. Alert Sooner. Deploy Anywhere.</a:t>
+            </a:r>
+          </a:p>
+        </p:txBody>
+      </p:sp>
+      <p:sp>
+        <p:nvSpPr>
+          <p:cNvPr id="5" name="TextBox 4"/>
+          <p:cNvSpPr txBox="1"/>
+          <p:nvPr/>
+        </p:nvSpPr>
+        <p:spPr>
+          <a:xfrm>
+            <a:off x="548640" y="3200400"/>
+            <a:ext cx="7772400" cy="548640"/>
+          </a:xfrm>
+          <a:prstGeom prst="rect">
+            <a:avLst/>
+          </a:prstGeom>
+          <a:noFill/>
+        </p:spPr>
+        <p:txBody>
+          <a:bodyPr wrap="square">
+            <a:spAutoFit/>
+          </a:bodyPr>
+          <a:lstStyle/>
+          <a:p>
+            <a:pPr algn="ctr">
+              <a:defRPr sz="1800" b="0">
+                <a:solidFill>
+                  <a:srgbClr val="B0C4DE"/>
+                </a:solidFill>
+                <a:latin typeface="Calibri"/>
+              </a:defRPr>
+            </a:pPr>
+            <a:r>
+              <a:t>See Varpulis detect a drug interaction in real time</a:t>
+            </a:r>
+          </a:p>
+        </p:txBody>
+      </p:sp>
+      <p:sp>
+        <p:nvSpPr>
+          <p:cNvPr id="6" name="TextBox 5"/>
+          <p:cNvSpPr txBox="1"/>
+          <p:nvPr/>
+        </p:nvSpPr>
+        <p:spPr>
+          <a:xfrm>
+            <a:off x="548640" y="4572000"/>
+            <a:ext cx="7772400" cy="365760"/>
+          </a:xfrm>
+          <a:prstGeom prst="rect">
+            <a:avLst/>
+          </a:prstGeom>
+          <a:noFill/>
+        </p:spPr>
+        <p:txBody>
+          <a:bodyPr wrap="square">
+            <a:spAutoFit/>
+          </a:bodyPr>
+          <a:lstStyle/>
+          <a:p>
+            <a:pPr algn="ctr">
+              <a:defRPr sz="1600" b="1">
+                <a:solidFill>
+                  <a:srgbClr val="00B4D8"/>
+                </a:solidFill>
+                <a:latin typeface="Calibri"/>
+              </a:defRPr>
+            </a:pPr>
+            <a:r>
+              <a:t>demo.varpulis-cep.com</a:t>
+            </a:r>
+          </a:p>
+        </p:txBody>
+      </p:sp>
+      <p:sp>
+        <p:nvSpPr>
+          <p:cNvPr id="7" name="Rectangle 6"/>
+          <p:cNvSpPr/>
+          <p:nvPr/>
+        </p:nvSpPr>
+        <p:spPr>
+          <a:xfrm>
+            <a:off x="0" y="6803136"/>
+            <a:ext cx="9144000" cy="54864"/>
+          </a:xfrm>
+          <a:prstGeom prst="rect">
+            <a:avLst/>
+          </a:prstGeom>
+          <a:solidFill>
+            <a:srgbClr val="00B4D8"/>
+          </a:solidFill>
+          <a:ln>
+            <a:noFill/>
+          </a:ln>
+        </p:spPr>
+        <p:style>
+          <a:lnRef idx="1">
+            <a:schemeClr val="accent1"/>
+          </a:lnRef>
+          <a:fillRef idx="3">
+            <a:schemeClr val="accent1"/>
+          </a:fillRef>
+          <a:effectRef idx="2">
+            <a:schemeClr val="accent1"/>
+          </a:effectRef>
+          <a:fontRef idx="minor">
+            <a:schemeClr val="lt1"/>
+          </a:fontRef>
+        </p:style>
+        <p:txBody>
+          <a:bodyPr rtlCol="0" anchor="ctr"/>
+          <a:lstStyle/>
+          <a:p>
+            <a:pPr algn="ctr"/>
+          </a:p>
+        </p:txBody>
+      </p:sp>
+    </p:spTree>
+  </p:cSld>
+  <p:clrMapOvr>
+    <a:masterClrMapping/>
+  </p:clrMapOvr>
+</p:sld>
+</file>
+
+<file path=ppt/slides/slide12.xml><?xml version="1.0" encoding="utf-8"?>
+<p:sld xmlns:a="http://schemas.openxmlformats.org/drawingml/2006/main" xmlns:p="http://schemas.openxmlformats.org/presentationml/2006/main" xmlns:r="http://schemas.openxmlformats.org/officeDocument/2006/relationships">
+  <p:cSld>
+    <p:bg>
+      <p:bgPr>
+        <a:solidFill>
+          <a:srgbClr val="0D1B2A"/>
+        </a:solidFill>
+        <a:effectLst/>
+      </p:bgPr>
+    </p:bg>
+    <p:spTree>
+      <p:nvGrpSpPr>
+        <p:cNvPr id="1" name=""/>
+        <p:cNvGrpSpPr/>
+        <p:nvPr/>
+      </p:nvGrpSpPr>
+      <p:grpSpPr/>
+      <p:sp>
+        <p:nvSpPr>
+          <p:cNvPr id="2" name="Rectangle 1"/>
+          <p:cNvSpPr/>
+          <p:nvPr/>
+        </p:nvSpPr>
+        <p:spPr>
+          <a:xfrm>
+            <a:off x="0" y="0"/>
+            <a:ext cx="9144000" cy="36576"/>
+          </a:xfrm>
+          <a:prstGeom prst="rect">
+            <a:avLst/>
+          </a:prstGeom>
+          <a:solidFill>
+            <a:srgbClr val="00B4D8"/>
+          </a:solidFill>
+          <a:ln>
+            <a:noFill/>
+          </a:ln>
+        </p:spPr>
+        <p:style>
+          <a:lnRef idx="1">
+            <a:schemeClr val="accent1"/>
+          </a:lnRef>
+          <a:fillRef idx="3">
+            <a:schemeClr val="accent1"/>
+          </a:fillRef>
+          <a:effectRef idx="2">
+            <a:schemeClr val="accent1"/>
+          </a:effectRef>
+          <a:fontRef idx="minor">
+            <a:schemeClr val="lt1"/>
+          </a:fontRef>
+        </p:style>
+        <p:txBody>
+          <a:bodyPr rtlCol="0" anchor="ctr"/>
+          <a:lstStyle/>
+          <a:p>
+            <a:pPr algn="ctr"/>
+          </a:p>
+        </p:txBody>
+      </p:sp>
+      <p:sp>
+        <p:nvSpPr>
+          <p:cNvPr id="3" name="TextBox 2"/>
+          <p:cNvSpPr txBox="1"/>
+          <p:nvPr/>
+        </p:nvSpPr>
+        <p:spPr>
+          <a:xfrm>
+            <a:off x="548640" y="137160"/>
+            <a:ext cx="2743200" cy="320040"/>
+          </a:xfrm>
+          <a:prstGeom prst="rect">
+            <a:avLst/>
+          </a:prstGeom>
+          <a:noFill/>
+        </p:spPr>
+        <p:txBody>
+          <a:bodyPr wrap="square">
+            <a:spAutoFit/>
+          </a:bodyPr>
+          <a:lstStyle/>
+          <a:p>
+            <a:pPr algn="l"/>
+            <a:r>
+              <a:rPr sz="1800" b="1">
+                <a:solidFill>
+                  <a:srgbClr val="00B4D8"/>
+                </a:solidFill>
+                <a:latin typeface="Calibri"/>
+              </a:rPr>
+              <a:t>VARPULIS</a:t>
+            </a:r>
+          </a:p>
+        </p:txBody>
+      </p:sp>
+      <p:sp>
+        <p:nvSpPr>
+          <p:cNvPr id="4" name="Rectangle 3"/>
+          <p:cNvSpPr/>
+          <p:nvPr/>
+        </p:nvSpPr>
+        <p:spPr>
+          <a:xfrm>
+            <a:off x="0" y="6821424"/>
+            <a:ext cx="9144000" cy="36576"/>
+          </a:xfrm>
+          <a:prstGeom prst="rect">
+            <a:avLst/>
+          </a:prstGeom>
+          <a:solidFill>
+            <a:srgbClr val="00B4D8"/>
+          </a:solidFill>
+          <a:ln>
+            <a:noFill/>
+          </a:ln>
+        </p:spPr>
+        <p:style>
+          <a:lnRef idx="1">
+            <a:schemeClr val="accent1"/>
+          </a:lnRef>
+          <a:fillRef idx="3">
+            <a:schemeClr val="accent1"/>
+          </a:fillRef>
+          <a:effectRef idx="2">
+            <a:schemeClr val="accent1"/>
+          </a:effectRef>
+          <a:fontRef idx="minor">
+            <a:schemeClr val="lt1"/>
+          </a:fontRef>
+        </p:style>
+        <p:txBody>
+          <a:bodyPr rtlCol="0" anchor="ctr"/>
+          <a:lstStyle/>
+          <a:p>
+            <a:pPr algn="ctr"/>
+          </a:p>
+        </p:txBody>
+      </p:sp>
+      <p:sp>
+        <p:nvSpPr>
+          <p:cNvPr id="5" name="TextBox 4"/>
+          <p:cNvSpPr txBox="1"/>
+          <p:nvPr/>
+        </p:nvSpPr>
+        <p:spPr>
+          <a:xfrm>
+            <a:off x="548640" y="457200"/>
+            <a:ext cx="7772400" cy="548640"/>
+          </a:xfrm>
+          <a:prstGeom prst="rect">
+            <a:avLst/>
+          </a:prstGeom>
+          <a:noFill/>
+        </p:spPr>
+        <p:txBody>
+          <a:bodyPr wrap="square">
+            <a:spAutoFit/>
+          </a:bodyPr>
+          <a:lstStyle/>
+          <a:p>
+            <a:pPr algn="l"/>
+            <a:r>
+              <a:rPr sz="2400" b="1">
+                <a:solidFill>
+                  <a:srgbClr val="FFFFFF"/>
+                </a:solidFill>
+                <a:latin typeface="Calibri"/>
+              </a:rPr>
+              <a:t>Appendix: Forecasting Engine Deep Dive</a:t>
+            </a:r>
+          </a:p>
+        </p:txBody>
+      </p:sp>
+      <p:sp>
+        <p:nvSpPr>
+          <p:cNvPr id="6" name="Rectangle 5"/>
+          <p:cNvSpPr/>
+          <p:nvPr/>
+        </p:nvSpPr>
+        <p:spPr>
+          <a:xfrm>
+            <a:off x="548640" y="914400"/>
+            <a:ext cx="1371600" cy="25400"/>
+          </a:xfrm>
+          <a:prstGeom prst="rect">
+            <a:avLst/>
+          </a:prstGeom>
+          <a:solidFill>
+            <a:srgbClr val="00B4D8"/>
+          </a:solidFill>
+          <a:ln>
+            <a:noFill/>
+          </a:ln>
+        </p:spPr>
+        <p:style>
+          <a:lnRef idx="1">
+            <a:schemeClr val="accent1"/>
+          </a:lnRef>
+          <a:fillRef idx="3">
+            <a:schemeClr val="accent1"/>
+          </a:fillRef>
+          <a:effectRef idx="2">
+            <a:schemeClr val="accent1"/>
+          </a:effectRef>
+          <a:fontRef idx="minor">
+            <a:schemeClr val="lt1"/>
+          </a:fontRef>
+        </p:style>
+        <p:txBody>
+          <a:bodyPr rtlCol="0" anchor="ctr"/>
+          <a:lstStyle/>
+          <a:p>
+            <a:pPr algn="ctr"/>
+          </a:p>
+        </p:txBody>
+      </p:sp>
+      <p:sp>
+        <p:nvSpPr>
+          <p:cNvPr id="7" name="Rectangle 6"/>
+          <p:cNvSpPr/>
+          <p:nvPr/>
+        </p:nvSpPr>
+        <p:spPr>
+          <a:xfrm>
+            <a:off x="548640" y="1051560"/>
+            <a:ext cx="2468880" cy="25400"/>
+          </a:xfrm>
+          <a:prstGeom prst="rect">
+            <a:avLst/>
+          </a:prstGeom>
+          <a:solidFill>
+            <a:srgbClr val="FF6B35"/>
+          </a:solidFill>
+          <a:ln>
+            <a:noFill/>
+          </a:ln>
+        </p:spPr>
+        <p:style>
+          <a:lnRef idx="1">
+            <a:schemeClr val="accent1"/>
+          </a:lnRef>
+          <a:fillRef idx="3">
+            <a:schemeClr val="accent1"/>
+          </a:fillRef>
+          <a:effectRef idx="2">
+            <a:schemeClr val="accent1"/>
+          </a:effectRef>
+          <a:fontRef idx="minor">
+            <a:schemeClr val="lt1"/>
+          </a:fontRef>
+        </p:style>
+        <p:txBody>
+          <a:bodyPr rtlCol="0" anchor="ctr"/>
+          <a:lstStyle/>
+          <a:p>
+            <a:pPr algn="ctr"/>
+          </a:p>
+        </p:txBody>
+      </p:sp>
+      <p:sp>
+        <p:nvSpPr>
+          <p:cNvPr id="8" name="TextBox 7"/>
+          <p:cNvSpPr txBox="1"/>
+          <p:nvPr/>
+        </p:nvSpPr>
+        <p:spPr>
+          <a:xfrm>
+            <a:off x="548640" y="1120140"/>
+            <a:ext cx="2468880" cy="274320"/>
+          </a:xfrm>
+          <a:prstGeom prst="rect">
+            <a:avLst/>
+          </a:prstGeom>
+          <a:noFill/>
+        </p:spPr>
+        <p:txBody>
+          <a:bodyPr wrap="square">
+            <a:spAutoFit/>
+          </a:bodyPr>
+          <a:lstStyle/>
+          <a:p>
+            <a:pPr algn="l"/>
+            <a:r>
+              <a:rPr sz="1100" b="1">
+                <a:solidFill>
+                  <a:srgbClr val="FF6B35"/>
+                </a:solidFill>
+                <a:latin typeface="Calibri"/>
+              </a:rPr>
+              <a:t>PREDICTION SUFFIX TREE</a:t>
+            </a:r>
+          </a:p>
+        </p:txBody>
+      </p:sp>
+      <p:sp>
+        <p:nvSpPr>
+          <p:cNvPr id="9" name="TextBox 8"/>
+          <p:cNvSpPr txBox="1"/>
+          <p:nvPr/>
+        </p:nvSpPr>
+        <p:spPr>
+          <a:xfrm>
+            <a:off x="548640" y="1371600"/>
+            <a:ext cx="2468880" cy="3200400"/>
+          </a:xfrm>
+          <a:prstGeom prst="rect">
+            <a:avLst/>
+          </a:prstGeom>
+          <a:noFill/>
+        </p:spPr>
+        <p:txBody>
+          <a:bodyPr wrap="square">
+            <a:spAutoFit/>
+          </a:bodyPr>
+          <a:lstStyle/>
+          <a:p>
+            <a:pPr>
+              <a:spcAft>
+                <a:spcPts val="600"/>
+              </a:spcAft>
+            </a:pPr>
+            <a:r>
+              <a:rPr sz="1100">
+                <a:solidFill>
+                  <a:srgbClr val="FF6B35"/>
+                </a:solidFill>
+                <a:latin typeface="Calibri"/>
+              </a:rPr>
+              <a:t>▸ </a:t>
+            </a:r>
+            <a:r>
+              <a:rPr sz="1100">
+                <a:solidFill>
+                  <a:srgbClr val="B0C4DE"/>
+                </a:solidFill>
+                <a:latin typeface="Calibri"/>
+              </a:rPr>
+              <a:t>Variable-depth Markov model</a:t>
+            </a:r>
+          </a:p>
+          <a:p>
+            <a:pPr>
+              <a:spcAft>
+                <a:spcPts val="600"/>
+              </a:spcAft>
+            </a:pPr>
+            <a:r>
+              <a:rPr sz="1100">
+                <a:solidFill>
+                  <a:srgbClr val="FF6B35"/>
+                </a:solidFill>
+                <a:latin typeface="Calibri"/>
+              </a:rPr>
+              <a:t>▸ </a:t>
+            </a:r>
+            <a:r>
+              <a:rPr sz="1100">
+                <a:solidFill>
+                  <a:srgbClr val="B0C4DE"/>
+                </a:solidFill>
+                <a:latin typeface="Calibri"/>
+              </a:rPr>
+              <a:t>Learns transition probabilities from the event stream</a:t>
+            </a:r>
+          </a:p>
+          <a:p>
+            <a:pPr>
+              <a:spcAft>
+                <a:spcPts val="600"/>
+              </a:spcAft>
+            </a:pPr>
+            <a:r>
+              <a:rPr sz="1100">
+                <a:solidFill>
+                  <a:srgbClr val="FF6B35"/>
+                </a:solidFill>
+                <a:latin typeface="Calibri"/>
+              </a:rPr>
+              <a:t>▸ </a:t>
+            </a:r>
+            <a:r>
+              <a:rPr sz="1100">
+                <a:solidFill>
+                  <a:srgbClr val="B0C4DE"/>
+                </a:solidFill>
+                <a:latin typeface="Calibri"/>
+              </a:rPr>
+              <a:t>Adapts context depth to data — deeper only where statistically significant</a:t>
+            </a:r>
+          </a:p>
+          <a:p>
+            <a:pPr>
+              <a:spcAft>
+                <a:spcPts val="600"/>
+              </a:spcAft>
+            </a:pPr>
+            <a:r>
+              <a:rPr sz="1100">
+                <a:solidFill>
+                  <a:srgbClr val="FF6B35"/>
+                </a:solidFill>
+                <a:latin typeface="Calibri"/>
+              </a:rPr>
+              <a:t>▸ </a:t>
+            </a:r>
+            <a:r>
+              <a:rPr sz="1100">
+                <a:solidFill>
+                  <a:srgbClr val="B0C4DE"/>
+                </a:solidFill>
+                <a:latin typeface="Calibri"/>
+              </a:rPr>
+              <a:t>Combined with SASE NFA to form Pattern Markov Chain (PMC)</a:t>
+            </a:r>
+          </a:p>
+          <a:p>
+            <a:pPr>
+              <a:spcAft>
+                <a:spcPts val="600"/>
+              </a:spcAft>
+            </a:pPr>
+            <a:r>
+              <a:rPr sz="1100">
+                <a:solidFill>
+                  <a:srgbClr val="FF6B35"/>
+                </a:solidFill>
+                <a:latin typeface="Calibri"/>
+              </a:rPr>
+              <a:t>▸ </a:t>
+            </a:r>
+            <a:r>
+              <a:rPr sz="1100">
+                <a:solidFill>
+                  <a:srgbClr val="B0C4DE"/>
+                </a:solidFill>
+                <a:latin typeface="Calibri"/>
+              </a:rPr>
+              <a:t>51 ns per prediction</a:t>
+            </a:r>
+          </a:p>
+        </p:txBody>
+      </p:sp>
+      <p:sp>
+        <p:nvSpPr>
+          <p:cNvPr id="10" name="Rectangle 9"/>
+          <p:cNvSpPr/>
+          <p:nvPr/>
+        </p:nvSpPr>
+        <p:spPr>
+          <a:xfrm>
+            <a:off x="3291840" y="1051560"/>
+            <a:ext cx="2468880" cy="25400"/>
+          </a:xfrm>
+          <a:prstGeom prst="rect">
+            <a:avLst/>
+          </a:prstGeom>
+          <a:solidFill>
+            <a:srgbClr val="FF6B35"/>
+          </a:solidFill>
+          <a:ln>
+            <a:noFill/>
+          </a:ln>
+        </p:spPr>
+        <p:style>
+          <a:lnRef idx="1">
+            <a:schemeClr val="accent1"/>
+          </a:lnRef>
+          <a:fillRef idx="3">
+            <a:schemeClr val="accent1"/>
+          </a:fillRef>
+          <a:effectRef idx="2">
+            <a:schemeClr val="accent1"/>
+          </a:effectRef>
+          <a:fontRef idx="minor">
+            <a:schemeClr val="lt1"/>
+          </a:fontRef>
+        </p:style>
+        <p:txBody>
+          <a:bodyPr rtlCol="0" anchor="ctr"/>
+          <a:lstStyle/>
+          <a:p>
+            <a:pPr algn="ctr"/>
+          </a:p>
+        </p:txBody>
+      </p:sp>
+      <p:sp>
+        <p:nvSpPr>
+          <p:cNvPr id="11" name="TextBox 10"/>
+          <p:cNvSpPr txBox="1"/>
+          <p:nvPr/>
+        </p:nvSpPr>
+        <p:spPr>
+          <a:xfrm>
+            <a:off x="3291840" y="1120140"/>
+            <a:ext cx="2468880" cy="274320"/>
+          </a:xfrm>
+          <a:prstGeom prst="rect">
+            <a:avLst/>
+          </a:prstGeom>
+          <a:noFill/>
+        </p:spPr>
+        <p:txBody>
+          <a:bodyPr wrap="square">
+            <a:spAutoFit/>
+          </a:bodyPr>
+          <a:lstStyle/>
+          <a:p>
+            <a:pPr algn="l"/>
+            <a:r>
+              <a:rPr sz="1100" b="1">
+                <a:solidFill>
+                  <a:srgbClr val="FF6B35"/>
+                </a:solidFill>
+                <a:latin typeface="Calibri"/>
+              </a:rPr>
+              <a:t>HAWKES PROCESS</a:t>
+            </a:r>
+          </a:p>
+        </p:txBody>
+      </p:sp>
+      <p:sp>
+        <p:nvSpPr>
+          <p:cNvPr id="12" name="TextBox 11"/>
+          <p:cNvSpPr txBox="1"/>
+          <p:nvPr/>
+        </p:nvSpPr>
+        <p:spPr>
+          <a:xfrm>
+            <a:off x="3291840" y="1371600"/>
+            <a:ext cx="2468880" cy="3200400"/>
+          </a:xfrm>
+          <a:prstGeom prst="rect">
+            <a:avLst/>
+          </a:prstGeom>
+          <a:noFill/>
+        </p:spPr>
+        <p:txBody>
+          <a:bodyPr wrap="square">
+            <a:spAutoFit/>
+          </a:bodyPr>
+          <a:lstStyle/>
+          <a:p>
+            <a:pPr>
+              <a:spcAft>
+                <a:spcPts val="600"/>
+              </a:spcAft>
+            </a:pPr>
+            <a:r>
+              <a:rPr sz="1100">
+                <a:solidFill>
+                  <a:srgbClr val="FF6B35"/>
+                </a:solidFill>
+                <a:latin typeface="Calibri"/>
+              </a:rPr>
+              <a:t>▸ </a:t>
+            </a:r>
+            <a:r>
+              <a:rPr sz="1100">
+                <a:solidFill>
+                  <a:srgbClr val="B0C4DE"/>
+                </a:solidFill>
+                <a:latin typeface="Calibri"/>
+              </a:rPr>
+              <a:t>Self-exciting point process</a:t>
+            </a:r>
+          </a:p>
+          <a:p>
+            <a:pPr>
+              <a:spcAft>
+                <a:spcPts val="600"/>
+              </a:spcAft>
+            </a:pPr>
+            <a:r>
+              <a:rPr sz="1100">
+                <a:solidFill>
+                  <a:srgbClr val="FF6B35"/>
+                </a:solidFill>
+                <a:latin typeface="Calibri"/>
+              </a:rPr>
+              <a:t>▸ </a:t>
+            </a:r>
+            <a:r>
+              <a:rPr sz="1100">
+                <a:solidFill>
+                  <a:srgbClr val="B0C4DE"/>
+                </a:solidFill>
+                <a:latin typeface="Calibri"/>
+              </a:rPr>
+              <a:t>Tracks temporal event density</a:t>
+            </a:r>
+          </a:p>
+          <a:p>
+            <a:pPr>
+              <a:spcAft>
+                <a:spcPts val="600"/>
+              </a:spcAft>
+            </a:pPr>
+            <a:r>
+              <a:rPr sz="1100">
+                <a:solidFill>
+                  <a:srgbClr val="FF6B35"/>
+                </a:solidFill>
+                <a:latin typeface="Calibri"/>
+              </a:rPr>
+              <a:t>▸ </a:t>
+            </a:r>
+            <a:r>
+              <a:rPr sz="1100">
+                <a:solidFill>
+                  <a:srgbClr val="B0C4DE"/>
+                </a:solidFill>
+                <a:latin typeface="Calibri"/>
+              </a:rPr>
+              <a:t>When events burst (accelerate), intensity spikes → probability boost</a:t>
+            </a:r>
+          </a:p>
+          <a:p>
+            <a:pPr>
+              <a:spcAft>
+                <a:spcPts val="600"/>
+              </a:spcAft>
+            </a:pPr>
+            <a:r>
+              <a:rPr sz="1100">
+                <a:solidFill>
+                  <a:srgbClr val="FF6B35"/>
+                </a:solidFill>
+                <a:latin typeface="Calibri"/>
+              </a:rPr>
+              <a:t>▸ </a:t>
+            </a:r>
+            <a:r>
+              <a:rPr sz="1100">
+                <a:solidFill>
+                  <a:srgbClr val="B0C4DE"/>
+                </a:solidFill>
+                <a:latin typeface="Calibri"/>
+              </a:rPr>
+              <a:t>O(1) per event via recursive formula</a:t>
+            </a:r>
+          </a:p>
+          <a:p>
+            <a:pPr>
+              <a:spcAft>
+                <a:spcPts val="600"/>
+              </a:spcAft>
+            </a:pPr>
+            <a:r>
+              <a:rPr sz="1100">
+                <a:solidFill>
+                  <a:srgbClr val="FF6B35"/>
+                </a:solidFill>
+                <a:latin typeface="Calibri"/>
+              </a:rPr>
+              <a:t>▸ </a:t>
+            </a:r>
+            <a:r>
+              <a:rPr sz="1100">
+                <a:solidFill>
+                  <a:srgbClr val="B0C4DE"/>
+                </a:solidFill>
+                <a:latin typeface="Calibri"/>
+              </a:rPr>
+              <a:t>Online parameter estimation via EMA (~20 events to adapt)</a:t>
+            </a:r>
+          </a:p>
+        </p:txBody>
+      </p:sp>
+      <p:sp>
+        <p:nvSpPr>
+          <p:cNvPr id="13" name="Rectangle 12"/>
+          <p:cNvSpPr/>
+          <p:nvPr/>
+        </p:nvSpPr>
+        <p:spPr>
+          <a:xfrm>
+            <a:off x="6035040" y="1051560"/>
+            <a:ext cx="2468880" cy="25400"/>
+          </a:xfrm>
+          <a:prstGeom prst="rect">
+            <a:avLst/>
+          </a:prstGeom>
+          <a:solidFill>
+            <a:srgbClr val="FF6B35"/>
+          </a:solidFill>
+          <a:ln>
+            <a:noFill/>
+          </a:ln>
+        </p:spPr>
+        <p:style>
+          <a:lnRef idx="1">
+            <a:schemeClr val="accent1"/>
+          </a:lnRef>
+          <a:fillRef idx="3">
+            <a:schemeClr val="accent1"/>
+          </a:fillRef>
+          <a:effectRef idx="2">
+            <a:schemeClr val="accent1"/>
+          </a:effectRef>
+          <a:fontRef idx="minor">
+            <a:schemeClr val="lt1"/>
+          </a:fontRef>
+        </p:style>
+        <p:txBody>
+          <a:bodyPr rtlCol="0" anchor="ctr"/>
+          <a:lstStyle/>
+          <a:p>
+            <a:pPr algn="ctr"/>
+          </a:p>
+        </p:txBody>
+      </p:sp>
+      <p:sp>
+        <p:nvSpPr>
+          <p:cNvPr id="14" name="TextBox 13"/>
+          <p:cNvSpPr txBox="1"/>
+          <p:nvPr/>
+        </p:nvSpPr>
+        <p:spPr>
+          <a:xfrm>
+            <a:off x="6035040" y="1120140"/>
+            <a:ext cx="2468880" cy="274320"/>
+          </a:xfrm>
+          <a:prstGeom prst="rect">
+            <a:avLst/>
+          </a:prstGeom>
+          <a:noFill/>
+        </p:spPr>
+        <p:txBody>
+          <a:bodyPr wrap="square">
+            <a:spAutoFit/>
+          </a:bodyPr>
+          <a:lstStyle/>
+          <a:p>
+            <a:pPr algn="l"/>
+            <a:r>
+              <a:rPr sz="1100" b="1">
+                <a:solidFill>
+                  <a:srgbClr val="FF6B35"/>
+                </a:solidFill>
+                <a:latin typeface="Calibri"/>
+              </a:rPr>
+              <a:t>CONFORMAL PREDICTION</a:t>
+            </a:r>
+          </a:p>
+        </p:txBody>
+      </p:sp>
+      <p:sp>
+        <p:nvSpPr>
+          <p:cNvPr id="15" name="TextBox 14"/>
+          <p:cNvSpPr txBox="1"/>
+          <p:nvPr/>
+        </p:nvSpPr>
+        <p:spPr>
+          <a:xfrm>
+            <a:off x="6035040" y="1371600"/>
+            <a:ext cx="2468880" cy="3200400"/>
+          </a:xfrm>
+          <a:prstGeom prst="rect">
+            <a:avLst/>
+          </a:prstGeom>
+          <a:noFill/>
+        </p:spPr>
+        <p:txBody>
+          <a:bodyPr wrap="square">
+            <a:spAutoFit/>
+          </a:bodyPr>
+          <a:lstStyle/>
+          <a:p>
+            <a:pPr>
+              <a:spcAft>
+                <a:spcPts val="600"/>
+              </a:spcAft>
+            </a:pPr>
+            <a:r>
+              <a:rPr sz="1100">
+                <a:solidFill>
+                  <a:srgbClr val="FF6B35"/>
+                </a:solidFill>
+                <a:latin typeface="Calibri"/>
+              </a:rPr>
+              <a:t>▸ </a:t>
+            </a:r>
+            <a:r>
+              <a:rPr sz="1100">
+                <a:solidFill>
+                  <a:srgbClr val="B0C4DE"/>
+                </a:solidFill>
+                <a:latin typeface="Calibri"/>
+              </a:rPr>
+              <a:t>Non-parametric prediction intervals</a:t>
+            </a:r>
+          </a:p>
+          <a:p>
+            <a:pPr>
+              <a:spcAft>
+                <a:spcPts val="600"/>
+              </a:spcAft>
+            </a:pPr>
+            <a:r>
+              <a:rPr sz="1100">
+                <a:solidFill>
+                  <a:srgbClr val="FF6B35"/>
+                </a:solidFill>
+                <a:latin typeface="Calibri"/>
+              </a:rPr>
+              <a:t>▸ </a:t>
+            </a:r>
+            <a:r>
+              <a:rPr sz="1100">
+                <a:solidFill>
+                  <a:srgbClr val="B0C4DE"/>
+                </a:solidFill>
+                <a:latin typeface="Calibri"/>
+              </a:rPr>
+              <a:t>No distributional assumptions</a:t>
+            </a:r>
+          </a:p>
+          <a:p>
+            <a:pPr>
+              <a:spcAft>
+                <a:spcPts val="600"/>
+              </a:spcAft>
+            </a:pPr>
+            <a:r>
+              <a:rPr sz="1100">
+                <a:solidFill>
+                  <a:srgbClr val="FF6B35"/>
+                </a:solidFill>
+                <a:latin typeface="Calibri"/>
+              </a:rPr>
+              <a:t>▸ </a:t>
+            </a:r>
+            <a:r>
+              <a:rPr sz="1100">
+                <a:solidFill>
+                  <a:srgbClr val="B0C4DE"/>
+                </a:solidFill>
+                <a:latin typeface="Calibri"/>
+              </a:rPr>
+              <a:t>Calibrated coverage guarantee (e.g. 90% of true values fall within bounds)</a:t>
+            </a:r>
+          </a:p>
+          <a:p>
+            <a:pPr>
+              <a:spcAft>
+                <a:spcPts val="600"/>
+              </a:spcAft>
+            </a:pPr>
+            <a:r>
+              <a:rPr sz="1100">
+                <a:solidFill>
+                  <a:srgbClr val="FF6B35"/>
+                </a:solidFill>
+                <a:latin typeface="Calibri"/>
+              </a:rPr>
+              <a:t>▸ </a:t>
+            </a:r>
+            <a:r>
+              <a:rPr sz="1100">
+                <a:solidFill>
+                  <a:srgbClr val="B0C4DE"/>
+                </a:solidFill>
+                <a:latin typeface="Calibri"/>
+              </a:rPr>
+              <a:t>Based on past forecast outcomes — self-calibrating</a:t>
+            </a:r>
+          </a:p>
+          <a:p>
+            <a:pPr>
+              <a:spcAft>
+                <a:spcPts val="600"/>
+              </a:spcAft>
+            </a:pPr>
+            <a:r>
+              <a:rPr sz="1100">
+                <a:solidFill>
+                  <a:srgbClr val="FF6B35"/>
+                </a:solidFill>
+                <a:latin typeface="Calibri"/>
+              </a:rPr>
+              <a:t>▸ </a:t>
+            </a:r>
+            <a:r>
+              <a:rPr sz="1100">
+                <a:solidFill>
+                  <a:srgbClr val="B0C4DE"/>
+                </a:solidFill>
+                <a:latin typeface="Calibri"/>
+              </a:rPr>
+              <a:t>Tells you when predictions are reliable vs uncertain</a:t>
+            </a:r>
+          </a:p>
+        </p:txBody>
+      </p:sp>
+      <p:sp>
+        <p:nvSpPr>
+          <p:cNvPr id="16" name="TextBox 15"/>
+          <p:cNvSpPr txBox="1"/>
+          <p:nvPr/>
+        </p:nvSpPr>
+        <p:spPr>
+          <a:xfrm>
+            <a:off x="548640" y="5486400"/>
+            <a:ext cx="7772400" cy="457200"/>
+          </a:xfrm>
+          <a:prstGeom prst="rect">
+            <a:avLst/>
+          </a:prstGeom>
+          <a:noFill/>
+        </p:spPr>
+        <p:txBody>
+          <a:bodyPr wrap="square">
+            <a:spAutoFit/>
+          </a:bodyPr>
+          <a:lstStyle/>
+          <a:p>
+            <a:pPr algn="l"/>
+            <a:r>
+              <a:rPr sz="1000" i="1">
+                <a:solidFill>
+                  <a:srgbClr val="787878"/>
+                </a:solidFill>
+                <a:latin typeface="Calibri"/>
+              </a:rPr>
+              <a:t>Reference: Complex Event Forecasting with Prediction Suffix Trees (Alevizos, Artikis, Paliouras — arXiv:2109.00287)</a:t>
+            </a:r>
+          </a:p>
+        </p:txBody>
+      </p:sp>
+      <p:sp>
+        <p:nvSpPr>
+          <p:cNvPr id="17" name="Rectangle 16"/>
+          <p:cNvSpPr/>
+          <p:nvPr/>
+        </p:nvSpPr>
+        <p:spPr>
+          <a:xfrm>
+            <a:off x="548640" y="5852160"/>
+            <a:ext cx="7772400" cy="548640"/>
+          </a:xfrm>
+          <a:prstGeom prst="rect">
+            <a:avLst/>
+          </a:prstGeom>
+          <a:solidFill>
+            <a:srgbClr val="14283C"/>
+          </a:solidFill>
+          <a:ln>
+            <a:noFill/>
+          </a:ln>
+        </p:spPr>
+        <p:style>
+          <a:lnRef idx="1">
+            <a:schemeClr val="accent1"/>
+          </a:lnRef>
+          <a:fillRef idx="3">
+            <a:schemeClr val="accent1"/>
+          </a:fillRef>
+          <a:effectRef idx="2">
+            <a:schemeClr val="accent1"/>
+          </a:effectRef>
+          <a:fontRef idx="minor">
+            <a:schemeClr val="lt1"/>
+          </a:fontRef>
+        </p:style>
+        <p:txBody>
+          <a:bodyPr rtlCol="0" anchor="ctr"/>
+          <a:lstStyle/>
+          <a:p>
+            <a:pPr algn="ctr"/>
+          </a:p>
+        </p:txBody>
+      </p:sp>
+      <p:sp>
+        <p:nvSpPr>
+          <p:cNvPr id="18" name="TextBox 17"/>
+          <p:cNvSpPr txBox="1"/>
+          <p:nvPr/>
+        </p:nvSpPr>
+        <p:spPr>
+          <a:xfrm>
+            <a:off x="731520" y="5897880"/>
+            <a:ext cx="7406640" cy="457200"/>
+          </a:xfrm>
+          <a:prstGeom prst="rect">
+            <a:avLst/>
+          </a:prstGeom>
+          <a:noFill/>
+        </p:spPr>
+        <p:txBody>
+          <a:bodyPr wrap="square">
+            <a:spAutoFit/>
+          </a:bodyPr>
+          <a:lstStyle/>
+          <a:p>
+            <a:pPr algn="l"/>
+            <a:r>
+              <a:rPr sz="1100">
+                <a:solidFill>
+                  <a:srgbClr val="B0C4DE"/>
+                </a:solidFill>
+                <a:latin typeface="Calibri"/>
+              </a:rPr>
+              <a:t>Performance: PST training 4.6M events/s  |  Single prediction 51 ns  |  Full PMC forecast 10.8 µs/event  |  Online learning 5.4M updates/s</a:t>
+            </a:r>
           </a:p>
         </p:txBody>
       </p:sp>
@@ -4873,15 +6778,9 @@
           </a:bodyPr>
           <a:lstStyle/>
           <a:p>
-            <a:pPr algn="l">
-              <a:defRPr sz="2800" b="1">
-                <a:solidFill>
-                  <a:srgbClr val="FFFFFF"/>
-                </a:solidFill>
-                <a:latin typeface="Calibri"/>
-              </a:defRPr>
-            </a:pPr>
-            <a:r>
+            <a:pPr algn="l"/>
+            <a:r>
+              <a:rPr lang="en-US" dirty="0"/>
               <a:t>Vital Sign Deterioration Trends</a:t>
             </a:r>
           </a:p>
@@ -5035,56 +6934,213 @@
           </a:bodyPr>
           <a:lstStyle/>
           <a:p>
-            <a:pPr algn="l">
-              <a:defRPr sz="1200" b="0">
-                <a:solidFill>
-                  <a:srgbClr val="00C9A7"/>
+            <a:pPr marL="0" indent="0">
+              <a:buNone/>
+            </a:pPr>
+            <a:r>
+              <a:rPr lang="en-US" sz="1100" dirty="0">
+                <a:solidFill>
+                  <a:srgbClr val="6A9955"/>
                 </a:solidFill>
                 <a:latin typeface="Consolas"/>
-              </a:defRPr>
-            </a:pPr>
-            <a:r>
-              <a:t>  // Gradual vital sign deterioration (early warning score)</a:t>
-            </a:r>
-            <a:br/>
-            <a:r>
-              <a:t>  stream Deterioration =</a:t>
-            </a:r>
-            <a:br/>
-            <a:r>
-              <a:t>      SEQ(Vitals v1, Vitals declining+, Vitals critical)</a:t>
-            </a:r>
-            <a:br/>
-            <a:r>
-              <a:t>      .where(v1.patient_id == declining.patient_id)</a:t>
-            </a:r>
-            <a:br/>
-            <a:r>
-              <a:t>      .where(declining.hr &gt; v1.hr * 1.1 || declining.spo2 &lt; v1.spo2 - 2)</a:t>
-            </a:r>
-            <a:br/>
-            <a:r>
-              <a:t>      .where(critical.news_score &gt;= 7)</a:t>
-            </a:r>
-            <a:br/>
-            <a:r>
-              <a:t>      .within(6h)</a:t>
-            </a:r>
-            <a:br/>
-            <a:r>
-              <a:t>      .emit(patient: v1.patient_id, trend_readings: count(declining),</a:t>
-            </a:r>
-            <a:br/>
-            <a:r>
-              <a:t>            rate_of_change: avg(declining.hr) - v1.hr,</a:t>
-            </a:r>
-            <a:br/>
-            <a:r>
-              <a:t>            hours_declining: duration(v1, critical))</a:t>
-            </a:r>
-            <a:br/>
-            <a:r>
-              <a:t>      .to(RapidResponse)</a:t>
+                <a:cs typeface="Consolas"/>
+              </a:rPr>
+              <a:t>// Gradual vital sign deterioration (early warning score)</a:t>
+            </a:r>
+          </a:p>
+          <a:p>
+            <a:pPr marL="0" indent="0">
+              <a:buNone/>
+            </a:pPr>
+            <a:r>
+              <a:rPr lang="en-US" sz="1100" dirty="0">
+                <a:solidFill>
+                  <a:srgbClr val="4EC9B0"/>
+                </a:solidFill>
+                <a:latin typeface="Consolas"/>
+                <a:cs typeface="Consolas"/>
+              </a:rPr>
+              <a:t>stream Deterioration =</a:t>
+            </a:r>
+          </a:p>
+          <a:p>
+            <a:pPr marL="0" indent="0">
+              <a:buNone/>
+            </a:pPr>
+            <a:r>
+              <a:rPr lang="en-US" sz="1100" dirty="0">
+                <a:solidFill>
+                  <a:srgbClr val="4EC9B0"/>
+                </a:solidFill>
+                <a:latin typeface="Consolas"/>
+                <a:cs typeface="Consolas"/>
+              </a:rPr>
+              <a:t>    SEQ(Vitals v1, Vitals declining+, Vitals critical)</a:t>
+            </a:r>
+          </a:p>
+          <a:p>
+            <a:pPr marL="0" indent="0">
+              <a:buNone/>
+            </a:pPr>
+            <a:r>
+              <a:rPr lang="en-US" sz="1100" dirty="0">
+                <a:solidFill>
+                  <a:srgbClr val="9CDBFE"/>
+                </a:solidFill>
+                <a:latin typeface="Consolas"/>
+                <a:cs typeface="Consolas"/>
+              </a:rPr>
+              <a:t>    .where(v1.patient_id == declining.patient_id</a:t>
+            </a:r>
+          </a:p>
+          <a:p>
+            <a:pPr marL="0" indent="0">
+              <a:buNone/>
+            </a:pPr>
+            <a:r>
+              <a:rPr lang="en-US" sz="1100" dirty="0">
+                <a:solidFill>
+                  <a:srgbClr val="C586C0"/>
+                </a:solidFill>
+                <a:latin typeface="Consolas"/>
+                <a:cs typeface="Consolas"/>
+              </a:rPr>
+              <a:t>       and (declining.hr &gt; v1.hr * 1.1</a:t>
+            </a:r>
+          </a:p>
+          <a:p>
+            <a:pPr marL="0" indent="0">
+              <a:buNone/>
+            </a:pPr>
+            <a:r>
+              <a:rPr lang="en-US" sz="1100" dirty="0">
+                <a:solidFill>
+                  <a:srgbClr val="C586C0"/>
+                </a:solidFill>
+                <a:latin typeface="Consolas"/>
+                <a:cs typeface="Consolas"/>
+              </a:rPr>
+              <a:t>            or declining.spo2 &lt; v1.spo2 - 2)</a:t>
+            </a:r>
+          </a:p>
+          <a:p>
+            <a:pPr marL="0" indent="0">
+              <a:buNone/>
+            </a:pPr>
+            <a:r>
+              <a:rPr lang="en-US" sz="1100" dirty="0">
+                <a:solidFill>
+                  <a:srgbClr val="C586C0"/>
+                </a:solidFill>
+                <a:latin typeface="Consolas"/>
+                <a:cs typeface="Consolas"/>
+              </a:rPr>
+              <a:t>       and critical.news_score &gt;= 7)</a:t>
+            </a:r>
+          </a:p>
+          <a:p>
+            <a:pPr marL="0" indent="0">
+              <a:buNone/>
+            </a:pPr>
+            <a:r>
+              <a:rPr lang="en-US" sz="1100" dirty="0">
+                <a:solidFill>
+                  <a:srgbClr val="9CDBFE"/>
+                </a:solidFill>
+                <a:latin typeface="Consolas"/>
+                <a:cs typeface="Consolas"/>
+              </a:rPr>
+              <a:t>    .within(6h)</a:t>
+            </a:r>
+          </a:p>
+          <a:p>
+            <a:pPr marL="0" indent="0">
+              <a:buNone/>
+            </a:pPr>
+            <a:r>
+              <a:rPr lang="en-US" sz="1100" dirty="0">
+                <a:solidFill>
+                  <a:srgbClr val="9CDBFE"/>
+                </a:solidFill>
+                <a:latin typeface="Consolas"/>
+                <a:cs typeface="Consolas"/>
+              </a:rPr>
+              <a:t>    .forecast(confidence: 0.7, horizon: 2h, warmup: 200)</a:t>
+            </a:r>
+          </a:p>
+          <a:p>
+            <a:pPr marL="0" indent="0">
+              <a:buNone/>
+            </a:pPr>
+            <a:r>
+              <a:rPr lang="en-US" sz="1100" dirty="0">
+                <a:solidFill>
+                  <a:srgbClr val="9CDBFE"/>
+                </a:solidFill>
+                <a:latin typeface="Consolas"/>
+                <a:cs typeface="Consolas"/>
+              </a:rPr>
+              <a:t>    .where(forecast_probability &gt; 0.75)</a:t>
+            </a:r>
+          </a:p>
+          <a:p>
+            <a:pPr marL="0" indent="0">
+              <a:buNone/>
+            </a:pPr>
+            <a:r>
+              <a:rPr lang="en-US" sz="1100" dirty="0">
+                <a:solidFill>
+                  <a:srgbClr val="9CDBFE"/>
+                </a:solidFill>
+                <a:latin typeface="Consolas"/>
+                <a:cs typeface="Consolas"/>
+              </a:rPr>
+              <a:t>    .emit(patient: v1.patient_id,</a:t>
+            </a:r>
+          </a:p>
+          <a:p>
+            <a:pPr marL="0" indent="0">
+              <a:buNone/>
+            </a:pPr>
+            <a:r>
+              <a:rPr lang="en-US" sz="1100" dirty="0">
+                <a:solidFill>
+                  <a:srgbClr val="CED4DA"/>
+                </a:solidFill>
+                <a:latin typeface="Consolas"/>
+                <a:cs typeface="Consolas"/>
+              </a:rPr>
+              <a:t>          trend_readings: count(declining),</a:t>
+            </a:r>
+          </a:p>
+          <a:p>
+            <a:pPr marL="0" indent="0">
+              <a:buNone/>
+            </a:pPr>
+            <a:r>
+              <a:rPr lang="en-US" sz="1100" dirty="0">
+                <a:solidFill>
+                  <a:srgbClr val="CED4DA"/>
+                </a:solidFill>
+                <a:latin typeface="Consolas"/>
+                <a:cs typeface="Consolas"/>
+              </a:rPr>
+              <a:t>          rate_of_change: avg(declining.hr) - v1.hr)</a:t>
+            </a:r>
+          </a:p>
+          <a:p>
+            <a:pPr marL="0" indent="0">
+              <a:buNone/>
+            </a:pPr>
+            <a:r>
+              <a:rPr lang="en-US" sz="1100" dirty="0">
+                <a:solidFill>
+                  <a:srgbClr val="9CDBFE"/>
+                </a:solidFill>
+                <a:latin typeface="Consolas"/>
+                <a:cs typeface="Consolas"/>
+              </a:rPr>
+              <a:t>    .to(RapidResponse)</a:t>
             </a:r>
           </a:p>
         </p:txBody>
@@ -8114,15 +10170,14 @@
           </a:bodyPr>
           <a:lstStyle/>
           <a:p>
-            <a:pPr algn="l">
-              <a:defRPr sz="1000" b="1">
+            <a:pPr algn="l"/>
+            <a:r>
+              <a:rPr sz="1800" b="1">
                 <a:solidFill>
                   <a:srgbClr val="00B4D8"/>
                 </a:solidFill>
                 <a:latin typeface="Calibri"/>
-              </a:defRPr>
-            </a:pPr>
-            <a:r>
+              </a:rPr>
               <a:t>VARPULIS</a:t>
             </a:r>
           </a:p>
@@ -8130,50 +10185,14 @@
       </p:sp>
       <p:sp>
         <p:nvSpPr>
-          <p:cNvPr id="4" name="TextBox 3"/>
-          <p:cNvSpPr txBox="1"/>
-          <p:nvPr/>
-        </p:nvSpPr>
-        <p:spPr>
-          <a:xfrm>
-            <a:off x="548640" y="457200"/>
-            <a:ext cx="7772400" cy="548640"/>
-          </a:xfrm>
-          <a:prstGeom prst="rect">
-            <a:avLst/>
-          </a:prstGeom>
-          <a:noFill/>
-        </p:spPr>
-        <p:txBody>
-          <a:bodyPr wrap="square">
-            <a:spAutoFit/>
-          </a:bodyPr>
-          <a:lstStyle/>
-          <a:p>
-            <a:pPr algn="l">
-              <a:defRPr sz="2800" b="1">
-                <a:solidFill>
-                  <a:srgbClr val="FFFFFF"/>
-                </a:solidFill>
-                <a:latin typeface="Calibri"/>
-              </a:defRPr>
-            </a:pPr>
-            <a:r>
-              <a:t>Deployment Flexibility</a:t>
-            </a:r>
-          </a:p>
-        </p:txBody>
-      </p:sp>
-      <p:sp>
-        <p:nvSpPr>
-          <p:cNvPr id="5" name="Rectangle 4"/>
+          <p:cNvPr id="4" name="Rectangle 3"/>
           <p:cNvSpPr/>
           <p:nvPr/>
         </p:nvSpPr>
         <p:spPr>
           <a:xfrm>
-            <a:off x="548640" y="1051560"/>
-            <a:ext cx="1371600" cy="25400"/>
+            <a:off x="0" y="6821424"/>
+            <a:ext cx="9144000" cy="36576"/>
           </a:xfrm>
           <a:prstGeom prst="rect">
             <a:avLst/>
@@ -8209,14 +10228,14 @@
       </p:sp>
       <p:sp>
         <p:nvSpPr>
-          <p:cNvPr id="6" name="TextBox 5"/>
+          <p:cNvPr id="5" name="TextBox 4"/>
           <p:cNvSpPr txBox="1"/>
           <p:nvPr/>
         </p:nvSpPr>
         <p:spPr>
           <a:xfrm>
-            <a:off x="548640" y="1371600"/>
-            <a:ext cx="7772400" cy="457200"/>
+            <a:off x="548640" y="457200"/>
+            <a:ext cx="7772400" cy="548640"/>
           </a:xfrm>
           <a:prstGeom prst="rect">
             <a:avLst/>
@@ -8229,30 +10248,1286 @@
           </a:bodyPr>
           <a:lstStyle/>
           <a:p>
-            <a:pPr algn="l">
-              <a:defRPr sz="1600" b="0">
+            <a:pPr algn="l"/>
+            <a:r>
+              <a:rPr sz="2800" b="1">
+                <a:solidFill>
+                  <a:srgbClr val="FFFFFF"/>
+                </a:solidFill>
+                <a:latin typeface="Calibri"/>
+              </a:rPr>
+              <a:t>Predict Deterioration Before It Becomes Critical</a:t>
+            </a:r>
+          </a:p>
+        </p:txBody>
+      </p:sp>
+      <p:sp>
+        <p:nvSpPr>
+          <p:cNvPr id="6" name="Rectangle 5"/>
+          <p:cNvSpPr/>
+          <p:nvPr/>
+        </p:nvSpPr>
+        <p:spPr>
+          <a:xfrm>
+            <a:off x="548640" y="1005840"/>
+            <a:ext cx="1371600" cy="25400"/>
+          </a:xfrm>
+          <a:prstGeom prst="rect">
+            <a:avLst/>
+          </a:prstGeom>
+          <a:solidFill>
+            <a:srgbClr val="00B4D8"/>
+          </a:solidFill>
+          <a:ln>
+            <a:noFill/>
+          </a:ln>
+        </p:spPr>
+        <p:style>
+          <a:lnRef idx="1">
+            <a:schemeClr val="accent1"/>
+          </a:lnRef>
+          <a:fillRef idx="3">
+            <a:schemeClr val="accent1"/>
+          </a:fillRef>
+          <a:effectRef idx="2">
+            <a:schemeClr val="accent1"/>
+          </a:effectRef>
+          <a:fontRef idx="minor">
+            <a:schemeClr val="lt1"/>
+          </a:fontRef>
+        </p:style>
+        <p:txBody>
+          <a:bodyPr rtlCol="0" anchor="ctr"/>
+          <a:lstStyle/>
+          <a:p>
+            <a:pPr algn="ctr"/>
+          </a:p>
+        </p:txBody>
+      </p:sp>
+      <p:sp>
+        <p:nvSpPr>
+          <p:cNvPr id="7" name="TextBox 6"/>
+          <p:cNvSpPr txBox="1"/>
+          <p:nvPr/>
+        </p:nvSpPr>
+        <p:spPr>
+          <a:xfrm>
+            <a:off x="548640" y="1143000"/>
+            <a:ext cx="7772400" cy="548640"/>
+          </a:xfrm>
+          <a:prstGeom prst="rect">
+            <a:avLst/>
+          </a:prstGeom>
+          <a:noFill/>
+        </p:spPr>
+        <p:txBody>
+          <a:bodyPr wrap="square">
+            <a:spAutoFit/>
+          </a:bodyPr>
+          <a:lstStyle/>
+          <a:p>
+            <a:pPr algn="l"/>
+            <a:r>
+              <a:rPr sz="1400">
                 <a:solidFill>
                   <a:srgbClr val="B0C4DE"/>
                 </a:solidFill>
                 <a:latin typeface="Calibri"/>
-              </a:defRPr>
-            </a:pPr>
-            <a:r>
-              <a:t>From bedside to enterprise — same engine, same rules, different scale.</a:t>
-            </a:r>
-          </a:p>
-        </p:txBody>
-      </p:sp>
-      <p:sp>
-        <p:nvSpPr>
-          <p:cNvPr id="7" name="Rectangle 6"/>
+              </a:rPr>
+              <a:t>Instead of waiting for a vital sign to breach a threshold, Varpulis
+forecasts the probability that a patient’s trend will reach a critical level —
+giving clinicians hours of advance warning to intervene.</a:t>
+            </a:r>
+          </a:p>
+        </p:txBody>
+      </p:sp>
+      <p:sp>
+        <p:nvSpPr>
+          <p:cNvPr id="8" name="Rectangle 7"/>
           <p:cNvSpPr/>
           <p:nvPr/>
         </p:nvSpPr>
         <p:spPr>
           <a:xfrm>
-            <a:off x="365760" y="2103120"/>
-            <a:ext cx="2651760" cy="2560320"/>
+            <a:off x="548640" y="1874520"/>
+            <a:ext cx="7772400" cy="25400"/>
+          </a:xfrm>
+          <a:prstGeom prst="rect">
+            <a:avLst/>
+          </a:prstGeom>
+          <a:solidFill>
+            <a:srgbClr val="00B4D8"/>
+          </a:solidFill>
+          <a:ln>
+            <a:noFill/>
+          </a:ln>
+        </p:spPr>
+        <p:style>
+          <a:lnRef idx="1">
+            <a:schemeClr val="accent1"/>
+          </a:lnRef>
+          <a:fillRef idx="3">
+            <a:schemeClr val="accent1"/>
+          </a:fillRef>
+          <a:effectRef idx="2">
+            <a:schemeClr val="accent1"/>
+          </a:effectRef>
+          <a:fontRef idx="minor">
+            <a:schemeClr val="lt1"/>
+          </a:fontRef>
+        </p:style>
+        <p:txBody>
+          <a:bodyPr rtlCol="0" anchor="ctr"/>
+          <a:lstStyle/>
+          <a:p>
+            <a:pPr algn="ctr"/>
+          </a:p>
+        </p:txBody>
+      </p:sp>
+      <p:sp>
+        <p:nvSpPr>
+          <p:cNvPr id="9" name="TextBox 8"/>
+          <p:cNvSpPr txBox="1"/>
+          <p:nvPr/>
+        </p:nvSpPr>
+        <p:spPr>
+          <a:xfrm>
+            <a:off x="548640" y="1943100"/>
+            <a:ext cx="7772400" cy="274320"/>
+          </a:xfrm>
+          <a:prstGeom prst="rect">
+            <a:avLst/>
+          </a:prstGeom>
+          <a:noFill/>
+        </p:spPr>
+        <p:txBody>
+          <a:bodyPr wrap="square">
+            <a:spAutoFit/>
+          </a:bodyPr>
+          <a:lstStyle/>
+          <a:p>
+            <a:pPr algn="l"/>
+            <a:r>
+              <a:rPr sz="1300" b="1">
+                <a:solidFill>
+                  <a:srgbClr val="00B4D8"/>
+                </a:solidFill>
+                <a:latin typeface="Calibri"/>
+              </a:rPr>
+              <a:t>EXAMPLE: VITAL SIGN DETERIORATION</a:t>
+            </a:r>
+          </a:p>
+        </p:txBody>
+      </p:sp>
+      <p:sp>
+        <p:nvSpPr>
+          <p:cNvPr id="10" name="Rectangle 9"/>
+          <p:cNvSpPr/>
+          <p:nvPr/>
+        </p:nvSpPr>
+        <p:spPr>
+          <a:xfrm>
+            <a:off x="548640" y="2194560"/>
+            <a:ext cx="1828800" cy="685800"/>
+          </a:xfrm>
+          <a:prstGeom prst="rect">
+            <a:avLst/>
+          </a:prstGeom>
+          <a:solidFill>
+            <a:srgbClr val="1B3A4B"/>
+          </a:solidFill>
+          <a:ln>
+            <a:noFill/>
+          </a:ln>
+        </p:spPr>
+        <p:style>
+          <a:lnRef idx="1">
+            <a:schemeClr val="accent1"/>
+          </a:lnRef>
+          <a:fillRef idx="3">
+            <a:schemeClr val="accent1"/>
+          </a:fillRef>
+          <a:effectRef idx="2">
+            <a:schemeClr val="accent1"/>
+          </a:effectRef>
+          <a:fontRef idx="minor">
+            <a:schemeClr val="lt1"/>
+          </a:fontRef>
+        </p:style>
+        <p:txBody>
+          <a:bodyPr rtlCol="0" anchor="ctr"/>
+          <a:lstStyle/>
+          <a:p>
+            <a:pPr algn="ctr"/>
+          </a:p>
+        </p:txBody>
+      </p:sp>
+      <p:sp>
+        <p:nvSpPr>
+          <p:cNvPr id="11" name="TextBox 10"/>
+          <p:cNvSpPr txBox="1"/>
+          <p:nvPr/>
+        </p:nvSpPr>
+        <p:spPr>
+          <a:xfrm>
+            <a:off x="548640" y="2217420"/>
+            <a:ext cx="1828800" cy="228600"/>
+          </a:xfrm>
+          <a:prstGeom prst="rect">
+            <a:avLst/>
+          </a:prstGeom>
+          <a:noFill/>
+        </p:spPr>
+        <p:txBody>
+          <a:bodyPr wrap="square">
+            <a:spAutoFit/>
+          </a:bodyPr>
+          <a:lstStyle/>
+          <a:p>
+            <a:pPr algn="ctr"/>
+            <a:r>
+              <a:rPr sz="1100" b="1">
+                <a:solidFill>
+                  <a:srgbClr val="FFFFFF"/>
+                </a:solidFill>
+                <a:latin typeface="Calibri"/>
+              </a:rPr>
+              <a:t>HR 88, SpO2 97</a:t>
+            </a:r>
+          </a:p>
+        </p:txBody>
+      </p:sp>
+      <p:sp>
+        <p:nvSpPr>
+          <p:cNvPr id="12" name="TextBox 11"/>
+          <p:cNvSpPr txBox="1"/>
+          <p:nvPr/>
+        </p:nvSpPr>
+        <p:spPr>
+          <a:xfrm>
+            <a:off x="548640" y="2446020"/>
+            <a:ext cx="1828800" cy="182880"/>
+          </a:xfrm>
+          <a:prstGeom prst="rect">
+            <a:avLst/>
+          </a:prstGeom>
+          <a:noFill/>
+        </p:spPr>
+        <p:txBody>
+          <a:bodyPr wrap="square">
+            <a:spAutoFit/>
+          </a:bodyPr>
+          <a:lstStyle/>
+          <a:p>
+            <a:pPr algn="ctr"/>
+            <a:r>
+              <a:rPr sz="1000">
+                <a:solidFill>
+                  <a:srgbClr val="B0C4DE"/>
+                </a:solidFill>
+                <a:latin typeface="Calibri"/>
+              </a:rPr>
+              <a:t>Baseline</a:t>
+            </a:r>
+          </a:p>
+        </p:txBody>
+      </p:sp>
+      <p:sp>
+        <p:nvSpPr>
+          <p:cNvPr id="13" name="TextBox 12"/>
+          <p:cNvSpPr txBox="1"/>
+          <p:nvPr/>
+        </p:nvSpPr>
+        <p:spPr>
+          <a:xfrm>
+            <a:off x="548640" y="2651760"/>
+            <a:ext cx="1828800" cy="228600"/>
+          </a:xfrm>
+          <a:prstGeom prst="rect">
+            <a:avLst/>
+          </a:prstGeom>
+          <a:noFill/>
+        </p:spPr>
+        <p:txBody>
+          <a:bodyPr wrap="square">
+            <a:spAutoFit/>
+          </a:bodyPr>
+          <a:lstStyle/>
+          <a:p>
+            <a:pPr algn="ctr"/>
+            <a:r>
+              <a:rPr sz="1300" b="1">
+                <a:solidFill>
+                  <a:srgbClr val="4CAF50"/>
+                </a:solidFill>
+                <a:latin typeface="Calibri"/>
+              </a:rPr>
+              <a:t>p = 0.05</a:t>
+            </a:r>
+          </a:p>
+        </p:txBody>
+      </p:sp>
+      <p:sp>
+        <p:nvSpPr>
+          <p:cNvPr id="14" name="TextBox 13"/>
+          <p:cNvSpPr txBox="1"/>
+          <p:nvPr/>
+        </p:nvSpPr>
+        <p:spPr>
+          <a:xfrm>
+            <a:off x="2423160" y="2423160"/>
+            <a:ext cx="182880" cy="274320"/>
+          </a:xfrm>
+          <a:prstGeom prst="rect">
+            <a:avLst/>
+          </a:prstGeom>
+          <a:noFill/>
+        </p:spPr>
+        <p:txBody>
+          <a:bodyPr wrap="square">
+            <a:spAutoFit/>
+          </a:bodyPr>
+          <a:lstStyle/>
+          <a:p>
+            <a:pPr algn="ctr"/>
+            <a:r>
+              <a:rPr sz="2000">
+                <a:solidFill>
+                  <a:srgbClr val="B0C4DE"/>
+                </a:solidFill>
+                <a:latin typeface="Calibri"/>
+              </a:rPr>
+              <a:t>→</a:t>
+            </a:r>
+          </a:p>
+        </p:txBody>
+      </p:sp>
+      <p:sp>
+        <p:nvSpPr>
+          <p:cNvPr id="15" name="Rectangle 14"/>
+          <p:cNvSpPr/>
+          <p:nvPr/>
+        </p:nvSpPr>
+        <p:spPr>
+          <a:xfrm>
+            <a:off x="2651760" y="2194560"/>
+            <a:ext cx="1828800" cy="685800"/>
+          </a:xfrm>
+          <a:prstGeom prst="rect">
+            <a:avLst/>
+          </a:prstGeom>
+          <a:solidFill>
+            <a:srgbClr val="1B3A4B"/>
+          </a:solidFill>
+          <a:ln>
+            <a:noFill/>
+          </a:ln>
+        </p:spPr>
+        <p:style>
+          <a:lnRef idx="1">
+            <a:schemeClr val="accent1"/>
+          </a:lnRef>
+          <a:fillRef idx="3">
+            <a:schemeClr val="accent1"/>
+          </a:fillRef>
+          <a:effectRef idx="2">
+            <a:schemeClr val="accent1"/>
+          </a:effectRef>
+          <a:fontRef idx="minor">
+            <a:schemeClr val="lt1"/>
+          </a:fontRef>
+        </p:style>
+        <p:txBody>
+          <a:bodyPr rtlCol="0" anchor="ctr"/>
+          <a:lstStyle/>
+          <a:p>
+            <a:pPr algn="ctr"/>
+          </a:p>
+        </p:txBody>
+      </p:sp>
+      <p:sp>
+        <p:nvSpPr>
+          <p:cNvPr id="16" name="TextBox 15"/>
+          <p:cNvSpPr txBox="1"/>
+          <p:nvPr/>
+        </p:nvSpPr>
+        <p:spPr>
+          <a:xfrm>
+            <a:off x="2651760" y="2217420"/>
+            <a:ext cx="1828800" cy="228600"/>
+          </a:xfrm>
+          <a:prstGeom prst="rect">
+            <a:avLst/>
+          </a:prstGeom>
+          <a:noFill/>
+        </p:spPr>
+        <p:txBody>
+          <a:bodyPr wrap="square">
+            <a:spAutoFit/>
+          </a:bodyPr>
+          <a:lstStyle/>
+          <a:p>
+            <a:pPr algn="ctr"/>
+            <a:r>
+              <a:rPr sz="1100" b="1">
+                <a:solidFill>
+                  <a:srgbClr val="FFFFFF"/>
+                </a:solidFill>
+                <a:latin typeface="Calibri"/>
+              </a:rPr>
+              <a:t>HR 95, SpO2 94</a:t>
+            </a:r>
+          </a:p>
+        </p:txBody>
+      </p:sp>
+      <p:sp>
+        <p:nvSpPr>
+          <p:cNvPr id="17" name="TextBox 16"/>
+          <p:cNvSpPr txBox="1"/>
+          <p:nvPr/>
+        </p:nvSpPr>
+        <p:spPr>
+          <a:xfrm>
+            <a:off x="2651760" y="2446020"/>
+            <a:ext cx="1828800" cy="182880"/>
+          </a:xfrm>
+          <a:prstGeom prst="rect">
+            <a:avLst/>
+          </a:prstGeom>
+          <a:noFill/>
+        </p:spPr>
+        <p:txBody>
+          <a:bodyPr wrap="square">
+            <a:spAutoFit/>
+          </a:bodyPr>
+          <a:lstStyle/>
+          <a:p>
+            <a:pPr algn="ctr"/>
+            <a:r>
+              <a:rPr sz="1000">
+                <a:solidFill>
+                  <a:srgbClr val="B0C4DE"/>
+                </a:solidFill>
+                <a:latin typeface="Calibri"/>
+              </a:rPr>
+              <a:t>Trending</a:t>
+            </a:r>
+          </a:p>
+        </p:txBody>
+      </p:sp>
+      <p:sp>
+        <p:nvSpPr>
+          <p:cNvPr id="18" name="TextBox 17"/>
+          <p:cNvSpPr txBox="1"/>
+          <p:nvPr/>
+        </p:nvSpPr>
+        <p:spPr>
+          <a:xfrm>
+            <a:off x="2651760" y="2651760"/>
+            <a:ext cx="1828800" cy="228600"/>
+          </a:xfrm>
+          <a:prstGeom prst="rect">
+            <a:avLst/>
+          </a:prstGeom>
+          <a:noFill/>
+        </p:spPr>
+        <p:txBody>
+          <a:bodyPr wrap="square">
+            <a:spAutoFit/>
+          </a:bodyPr>
+          <a:lstStyle/>
+          <a:p>
+            <a:pPr algn="ctr"/>
+            <a:r>
+              <a:rPr sz="1300" b="1">
+                <a:solidFill>
+                  <a:srgbClr val="FFD700"/>
+                </a:solidFill>
+                <a:latin typeface="Calibri"/>
+              </a:rPr>
+              <a:t>p = 0.31</a:t>
+            </a:r>
+          </a:p>
+        </p:txBody>
+      </p:sp>
+      <p:sp>
+        <p:nvSpPr>
+          <p:cNvPr id="19" name="TextBox 18"/>
+          <p:cNvSpPr txBox="1"/>
+          <p:nvPr/>
+        </p:nvSpPr>
+        <p:spPr>
+          <a:xfrm>
+            <a:off x="4526280" y="2423160"/>
+            <a:ext cx="182880" cy="274320"/>
+          </a:xfrm>
+          <a:prstGeom prst="rect">
+            <a:avLst/>
+          </a:prstGeom>
+          <a:noFill/>
+        </p:spPr>
+        <p:txBody>
+          <a:bodyPr wrap="square">
+            <a:spAutoFit/>
+          </a:bodyPr>
+          <a:lstStyle/>
+          <a:p>
+            <a:pPr algn="ctr"/>
+            <a:r>
+              <a:rPr sz="2000">
+                <a:solidFill>
+                  <a:srgbClr val="B0C4DE"/>
+                </a:solidFill>
+                <a:latin typeface="Calibri"/>
+              </a:rPr>
+              <a:t>→</a:t>
+            </a:r>
+          </a:p>
+        </p:txBody>
+      </p:sp>
+      <p:sp>
+        <p:nvSpPr>
+          <p:cNvPr id="20" name="Rectangle 19"/>
+          <p:cNvSpPr/>
+          <p:nvPr/>
+        </p:nvSpPr>
+        <p:spPr>
+          <a:xfrm>
+            <a:off x="4754880" y="2194560"/>
+            <a:ext cx="1828800" cy="685800"/>
+          </a:xfrm>
+          <a:prstGeom prst="rect">
+            <a:avLst/>
+          </a:prstGeom>
+          <a:solidFill>
+            <a:srgbClr val="4A206A"/>
+          </a:solidFill>
+          <a:ln>
+            <a:noFill/>
+          </a:ln>
+        </p:spPr>
+        <p:style>
+          <a:lnRef idx="1">
+            <a:schemeClr val="accent1"/>
+          </a:lnRef>
+          <a:fillRef idx="3">
+            <a:schemeClr val="accent1"/>
+          </a:fillRef>
+          <a:effectRef idx="2">
+            <a:schemeClr val="accent1"/>
+          </a:effectRef>
+          <a:fontRef idx="minor">
+            <a:schemeClr val="lt1"/>
+          </a:fontRef>
+        </p:style>
+        <p:txBody>
+          <a:bodyPr rtlCol="0" anchor="ctr"/>
+          <a:lstStyle/>
+          <a:p>
+            <a:pPr algn="ctr"/>
+          </a:p>
+        </p:txBody>
+      </p:sp>
+      <p:sp>
+        <p:nvSpPr>
+          <p:cNvPr id="21" name="TextBox 20"/>
+          <p:cNvSpPr txBox="1"/>
+          <p:nvPr/>
+        </p:nvSpPr>
+        <p:spPr>
+          <a:xfrm>
+            <a:off x="4754880" y="2217420"/>
+            <a:ext cx="1828800" cy="228600"/>
+          </a:xfrm>
+          <a:prstGeom prst="rect">
+            <a:avLst/>
+          </a:prstGeom>
+          <a:noFill/>
+        </p:spPr>
+        <p:txBody>
+          <a:bodyPr wrap="square">
+            <a:spAutoFit/>
+          </a:bodyPr>
+          <a:lstStyle/>
+          <a:p>
+            <a:pPr algn="ctr"/>
+            <a:r>
+              <a:rPr sz="1100" b="1">
+                <a:solidFill>
+                  <a:srgbClr val="FFFFFF"/>
+                </a:solidFill>
+                <a:latin typeface="Calibri"/>
+              </a:rPr>
+              <a:t>HR 108, SpO2 91</a:t>
+            </a:r>
+          </a:p>
+        </p:txBody>
+      </p:sp>
+      <p:sp>
+        <p:nvSpPr>
+          <p:cNvPr id="22" name="TextBox 21"/>
+          <p:cNvSpPr txBox="1"/>
+          <p:nvPr/>
+        </p:nvSpPr>
+        <p:spPr>
+          <a:xfrm>
+            <a:off x="4754880" y="2446020"/>
+            <a:ext cx="1828800" cy="182880"/>
+          </a:xfrm>
+          <a:prstGeom prst="rect">
+            <a:avLst/>
+          </a:prstGeom>
+          <a:noFill/>
+        </p:spPr>
+        <p:txBody>
+          <a:bodyPr wrap="square">
+            <a:spAutoFit/>
+          </a:bodyPr>
+          <a:lstStyle/>
+          <a:p>
+            <a:pPr algn="ctr"/>
+            <a:r>
+              <a:rPr sz="1000">
+                <a:solidFill>
+                  <a:srgbClr val="B0C4DE"/>
+                </a:solidFill>
+                <a:latin typeface="Calibri"/>
+              </a:rPr>
+              <a:t>Alert sent</a:t>
+            </a:r>
+          </a:p>
+        </p:txBody>
+      </p:sp>
+      <p:sp>
+        <p:nvSpPr>
+          <p:cNvPr id="23" name="TextBox 22"/>
+          <p:cNvSpPr txBox="1"/>
+          <p:nvPr/>
+        </p:nvSpPr>
+        <p:spPr>
+          <a:xfrm>
+            <a:off x="4754880" y="2651760"/>
+            <a:ext cx="1828800" cy="228600"/>
+          </a:xfrm>
+          <a:prstGeom prst="rect">
+            <a:avLst/>
+          </a:prstGeom>
+          <a:noFill/>
+        </p:spPr>
+        <p:txBody>
+          <a:bodyPr wrap="square">
+            <a:spAutoFit/>
+          </a:bodyPr>
+          <a:lstStyle/>
+          <a:p>
+            <a:pPr algn="ctr"/>
+            <a:r>
+              <a:rPr sz="1300" b="1">
+                <a:solidFill>
+                  <a:srgbClr val="FF6B35"/>
+                </a:solidFill>
+                <a:latin typeface="Calibri"/>
+              </a:rPr>
+              <a:t>p = 0.78</a:t>
+            </a:r>
+          </a:p>
+        </p:txBody>
+      </p:sp>
+      <p:sp>
+        <p:nvSpPr>
+          <p:cNvPr id="24" name="TextBox 23"/>
+          <p:cNvSpPr txBox="1"/>
+          <p:nvPr/>
+        </p:nvSpPr>
+        <p:spPr>
+          <a:xfrm>
+            <a:off x="6629400" y="2423160"/>
+            <a:ext cx="182880" cy="274320"/>
+          </a:xfrm>
+          <a:prstGeom prst="rect">
+            <a:avLst/>
+          </a:prstGeom>
+          <a:noFill/>
+        </p:spPr>
+        <p:txBody>
+          <a:bodyPr wrap="square">
+            <a:spAutoFit/>
+          </a:bodyPr>
+          <a:lstStyle/>
+          <a:p>
+            <a:pPr algn="ctr"/>
+            <a:r>
+              <a:rPr sz="2000">
+                <a:solidFill>
+                  <a:srgbClr val="B0C4DE"/>
+                </a:solidFill>
+                <a:latin typeface="Calibri"/>
+              </a:rPr>
+              <a:t>→</a:t>
+            </a:r>
+          </a:p>
+        </p:txBody>
+      </p:sp>
+      <p:sp>
+        <p:nvSpPr>
+          <p:cNvPr id="25" name="Rectangle 24"/>
+          <p:cNvSpPr/>
+          <p:nvPr/>
+        </p:nvSpPr>
+        <p:spPr>
+          <a:xfrm>
+            <a:off x="6858000" y="2194560"/>
+            <a:ext cx="1828800" cy="685800"/>
+          </a:xfrm>
+          <a:prstGeom prst="rect">
+            <a:avLst/>
+          </a:prstGeom>
+          <a:solidFill>
+            <a:srgbClr val="1B4B2A"/>
+          </a:solidFill>
+          <a:ln>
+            <a:noFill/>
+          </a:ln>
+        </p:spPr>
+        <p:style>
+          <a:lnRef idx="1">
+            <a:schemeClr val="accent1"/>
+          </a:lnRef>
+          <a:fillRef idx="3">
+            <a:schemeClr val="accent1"/>
+          </a:fillRef>
+          <a:effectRef idx="2">
+            <a:schemeClr val="accent1"/>
+          </a:effectRef>
+          <a:fontRef idx="minor">
+            <a:schemeClr val="lt1"/>
+          </a:fontRef>
+        </p:style>
+        <p:txBody>
+          <a:bodyPr rtlCol="0" anchor="ctr"/>
+          <a:lstStyle/>
+          <a:p>
+            <a:pPr algn="ctr"/>
+          </a:p>
+        </p:txBody>
+      </p:sp>
+      <p:sp>
+        <p:nvSpPr>
+          <p:cNvPr id="26" name="TextBox 25"/>
+          <p:cNvSpPr txBox="1"/>
+          <p:nvPr/>
+        </p:nvSpPr>
+        <p:spPr>
+          <a:xfrm>
+            <a:off x="6858000" y="2217420"/>
+            <a:ext cx="1828800" cy="228600"/>
+          </a:xfrm>
+          <a:prstGeom prst="rect">
+            <a:avLst/>
+          </a:prstGeom>
+          <a:noFill/>
+        </p:spPr>
+        <p:txBody>
+          <a:bodyPr wrap="square">
+            <a:spAutoFit/>
+          </a:bodyPr>
+          <a:lstStyle/>
+          <a:p>
+            <a:pPr algn="ctr"/>
+            <a:r>
+              <a:rPr sz="1100" b="1">
+                <a:solidFill>
+                  <a:srgbClr val="FFFFFF"/>
+                </a:solidFill>
+                <a:latin typeface="Calibri"/>
+              </a:rPr>
+              <a:t>HR 122, SpO2 88</a:t>
+            </a:r>
+          </a:p>
+        </p:txBody>
+      </p:sp>
+      <p:sp>
+        <p:nvSpPr>
+          <p:cNvPr id="27" name="TextBox 26"/>
+          <p:cNvSpPr txBox="1"/>
+          <p:nvPr/>
+        </p:nvSpPr>
+        <p:spPr>
+          <a:xfrm>
+            <a:off x="6858000" y="2446020"/>
+            <a:ext cx="1828800" cy="182880"/>
+          </a:xfrm>
+          <a:prstGeom prst="rect">
+            <a:avLst/>
+          </a:prstGeom>
+          <a:noFill/>
+        </p:spPr>
+        <p:txBody>
+          <a:bodyPr wrap="square">
+            <a:spAutoFit/>
+          </a:bodyPr>
+          <a:lstStyle/>
+          <a:p>
+            <a:pPr algn="ctr"/>
+            <a:r>
+              <a:rPr sz="1000">
+                <a:solidFill>
+                  <a:srgbClr val="B0C4DE"/>
+                </a:solidFill>
+                <a:latin typeface="Calibri"/>
+              </a:rPr>
+              <a:t>Intervened</a:t>
+            </a:r>
+          </a:p>
+        </p:txBody>
+      </p:sp>
+      <p:sp>
+        <p:nvSpPr>
+          <p:cNvPr id="28" name="TextBox 27"/>
+          <p:cNvSpPr txBox="1"/>
+          <p:nvPr/>
+        </p:nvSpPr>
+        <p:spPr>
+          <a:xfrm>
+            <a:off x="6858000" y="2651760"/>
+            <a:ext cx="1828800" cy="228600"/>
+          </a:xfrm>
+          <a:prstGeom prst="rect">
+            <a:avLst/>
+          </a:prstGeom>
+          <a:noFill/>
+        </p:spPr>
+        <p:txBody>
+          <a:bodyPr wrap="square">
+            <a:spAutoFit/>
+          </a:bodyPr>
+          <a:lstStyle/>
+          <a:p>
+            <a:pPr algn="ctr"/>
+            <a:r>
+              <a:rPr sz="1300" b="1">
+                <a:solidFill>
+                  <a:srgbClr val="4CAF50"/>
+                </a:solidFill>
+                <a:latin typeface="Calibri"/>
+              </a:rPr>
+              <a:t>✓</a:t>
+            </a:r>
+          </a:p>
+        </p:txBody>
+      </p:sp>
+      <p:sp>
+        <p:nvSpPr>
+          <p:cNvPr id="29" name="Rectangle 28"/>
+          <p:cNvSpPr/>
+          <p:nvPr/>
+        </p:nvSpPr>
+        <p:spPr>
+          <a:xfrm>
+            <a:off x="548640" y="3154680"/>
+            <a:ext cx="3840480" cy="25400"/>
+          </a:xfrm>
+          <a:prstGeom prst="rect">
+            <a:avLst/>
+          </a:prstGeom>
+          <a:solidFill>
+            <a:srgbClr val="FF6B35"/>
+          </a:solidFill>
+          <a:ln>
+            <a:noFill/>
+          </a:ln>
+        </p:spPr>
+        <p:style>
+          <a:lnRef idx="1">
+            <a:schemeClr val="accent1"/>
+          </a:lnRef>
+          <a:fillRef idx="3">
+            <a:schemeClr val="accent1"/>
+          </a:fillRef>
+          <a:effectRef idx="2">
+            <a:schemeClr val="accent1"/>
+          </a:effectRef>
+          <a:fontRef idx="minor">
+            <a:schemeClr val="lt1"/>
+          </a:fontRef>
+        </p:style>
+        <p:txBody>
+          <a:bodyPr rtlCol="0" anchor="ctr"/>
+          <a:lstStyle/>
+          <a:p>
+            <a:pPr algn="ctr"/>
+          </a:p>
+        </p:txBody>
+      </p:sp>
+      <p:sp>
+        <p:nvSpPr>
+          <p:cNvPr id="30" name="TextBox 29"/>
+          <p:cNvSpPr txBox="1"/>
+          <p:nvPr/>
+        </p:nvSpPr>
+        <p:spPr>
+          <a:xfrm>
+            <a:off x="548640" y="3230880"/>
+            <a:ext cx="3840480" cy="274320"/>
+          </a:xfrm>
+          <a:prstGeom prst="rect">
+            <a:avLst/>
+          </a:prstGeom>
+          <a:noFill/>
+        </p:spPr>
+        <p:txBody>
+          <a:bodyPr wrap="square">
+            <a:spAutoFit/>
+          </a:bodyPr>
+          <a:lstStyle/>
+          <a:p>
+            <a:pPr algn="l"/>
+            <a:r>
+              <a:rPr sz="1300" b="1">
+                <a:solidFill>
+                  <a:srgbClr val="FF6B35"/>
+                </a:solidFill>
+                <a:latin typeface="Calibri"/>
+              </a:rPr>
+              <a:t>HOW IT WORKS</a:t>
+            </a:r>
+          </a:p>
+        </p:txBody>
+      </p:sp>
+      <p:sp>
+        <p:nvSpPr>
+          <p:cNvPr id="31" name="TextBox 30"/>
+          <p:cNvSpPr txBox="1"/>
+          <p:nvPr/>
+        </p:nvSpPr>
+        <p:spPr>
+          <a:xfrm>
+            <a:off x="548640" y="3474720"/>
+            <a:ext cx="3840480" cy="1828800"/>
+          </a:xfrm>
+          <a:prstGeom prst="rect">
+            <a:avLst/>
+          </a:prstGeom>
+          <a:noFill/>
+        </p:spPr>
+        <p:txBody>
+          <a:bodyPr wrap="square">
+            <a:spAutoFit/>
+          </a:bodyPr>
+          <a:lstStyle/>
+          <a:p>
+            <a:pPr>
+              <a:spcAft>
+                <a:spcPts val="600"/>
+              </a:spcAft>
+            </a:pPr>
+            <a:r>
+              <a:rPr sz="1300">
+                <a:solidFill>
+                  <a:srgbClr val="FF6B35"/>
+                </a:solidFill>
+                <a:latin typeface="Calibri"/>
+              </a:rPr>
+              <a:t>▸ </a:t>
+            </a:r>
+            <a:r>
+              <a:rPr sz="1300">
+                <a:solidFill>
+                  <a:srgbClr val="B0C4DE"/>
+                </a:solidFill>
+                <a:latin typeface="Calibri"/>
+              </a:rPr>
+              <a:t>Learns patient-specific deterioration patterns from the live vital sign stream</a:t>
+            </a:r>
+          </a:p>
+          <a:p>
+            <a:pPr>
+              <a:spcAft>
+                <a:spcPts val="600"/>
+              </a:spcAft>
+            </a:pPr>
+            <a:r>
+              <a:rPr sz="1300">
+                <a:solidFill>
+                  <a:srgbClr val="FF6B35"/>
+                </a:solidFill>
+                <a:latin typeface="Calibri"/>
+              </a:rPr>
+              <a:t>▸ </a:t>
+            </a:r>
+            <a:r>
+              <a:rPr sz="1300">
+                <a:solidFill>
+                  <a:srgbClr val="B0C4DE"/>
+                </a:solidFill>
+                <a:latin typeface="Calibri"/>
+              </a:rPr>
+              <a:t>Calculates the probability of reaching a critical threshold (e.g. NEWS &gt;= 7)</a:t>
+            </a:r>
+          </a:p>
+          <a:p>
+            <a:pPr>
+              <a:spcAft>
+                <a:spcPts val="600"/>
+              </a:spcAft>
+            </a:pPr>
+            <a:r>
+              <a:rPr sz="1300">
+                <a:solidFill>
+                  <a:srgbClr val="FF6B35"/>
+                </a:solidFill>
+                <a:latin typeface="Calibri"/>
+              </a:rPr>
+              <a:t>▸ </a:t>
+            </a:r>
+            <a:r>
+              <a:rPr sz="1300">
+                <a:solidFill>
+                  <a:srgbClr val="B0C4DE"/>
+                </a:solidFill>
+                <a:latin typeface="Calibri"/>
+              </a:rPr>
+              <a:t>Alerts at a clinician-defined probability — not a fixed threshold</a:t>
+            </a:r>
+          </a:p>
+          <a:p>
+            <a:pPr>
+              <a:spcAft>
+                <a:spcPts val="600"/>
+              </a:spcAft>
+            </a:pPr>
+            <a:r>
+              <a:rPr sz="1300">
+                <a:solidFill>
+                  <a:srgbClr val="FF6B35"/>
+                </a:solidFill>
+                <a:latin typeface="Calibri"/>
+              </a:rPr>
+              <a:t>▸ </a:t>
+            </a:r>
+            <a:r>
+              <a:rPr sz="1300">
+                <a:solidFill>
+                  <a:srgbClr val="B0C4DE"/>
+                </a:solidFill>
+                <a:latin typeface="Calibri"/>
+              </a:rPr>
+              <a:t>Includes confidence levels: high certainty predictions vs uncertain early signals</a:t>
+            </a:r>
+          </a:p>
+        </p:txBody>
+      </p:sp>
+      <p:sp>
+        <p:nvSpPr>
+          <p:cNvPr id="32" name="Rectangle 31"/>
+          <p:cNvSpPr/>
+          <p:nvPr/>
+        </p:nvSpPr>
+        <p:spPr>
+          <a:xfrm>
+            <a:off x="4754880" y="3154680"/>
+            <a:ext cx="3931920" cy="25400"/>
+          </a:xfrm>
+          <a:prstGeom prst="rect">
+            <a:avLst/>
+          </a:prstGeom>
+          <a:solidFill>
+            <a:srgbClr val="FF6B35"/>
+          </a:solidFill>
+          <a:ln>
+            <a:noFill/>
+          </a:ln>
+        </p:spPr>
+        <p:style>
+          <a:lnRef idx="1">
+            <a:schemeClr val="accent1"/>
+          </a:lnRef>
+          <a:fillRef idx="3">
+            <a:schemeClr val="accent1"/>
+          </a:fillRef>
+          <a:effectRef idx="2">
+            <a:schemeClr val="accent1"/>
+          </a:effectRef>
+          <a:fontRef idx="minor">
+            <a:schemeClr val="lt1"/>
+          </a:fontRef>
+        </p:style>
+        <p:txBody>
+          <a:bodyPr rtlCol="0" anchor="ctr"/>
+          <a:lstStyle/>
+          <a:p>
+            <a:pPr algn="ctr"/>
+          </a:p>
+        </p:txBody>
+      </p:sp>
+      <p:sp>
+        <p:nvSpPr>
+          <p:cNvPr id="33" name="TextBox 32"/>
+          <p:cNvSpPr txBox="1"/>
+          <p:nvPr/>
+        </p:nvSpPr>
+        <p:spPr>
+          <a:xfrm>
+            <a:off x="4754880" y="3230880"/>
+            <a:ext cx="3931920" cy="274320"/>
+          </a:xfrm>
+          <a:prstGeom prst="rect">
+            <a:avLst/>
+          </a:prstGeom>
+          <a:noFill/>
+        </p:spPr>
+        <p:txBody>
+          <a:bodyPr wrap="square">
+            <a:spAutoFit/>
+          </a:bodyPr>
+          <a:lstStyle/>
+          <a:p>
+            <a:pPr algn="l"/>
+            <a:r>
+              <a:rPr sz="1300" b="1">
+                <a:solidFill>
+                  <a:srgbClr val="FF6B35"/>
+                </a:solidFill>
+                <a:latin typeface="Calibri"/>
+              </a:rPr>
+              <a:t>CLINICAL VALUE</a:t>
+            </a:r>
+          </a:p>
+        </p:txBody>
+      </p:sp>
+      <p:sp>
+        <p:nvSpPr>
+          <p:cNvPr id="34" name="TextBox 33"/>
+          <p:cNvSpPr txBox="1"/>
+          <p:nvPr/>
+        </p:nvSpPr>
+        <p:spPr>
+          <a:xfrm>
+            <a:off x="4754880" y="3474720"/>
+            <a:ext cx="3931920" cy="1828800"/>
+          </a:xfrm>
+          <a:prstGeom prst="rect">
+            <a:avLst/>
+          </a:prstGeom>
+          <a:noFill/>
+        </p:spPr>
+        <p:txBody>
+          <a:bodyPr wrap="square">
+            <a:spAutoFit/>
+          </a:bodyPr>
+          <a:lstStyle/>
+          <a:p>
+            <a:pPr>
+              <a:spcAft>
+                <a:spcPts val="600"/>
+              </a:spcAft>
+            </a:pPr>
+            <a:r>
+              <a:rPr sz="1300">
+                <a:solidFill>
+                  <a:srgbClr val="FF6B35"/>
+                </a:solidFill>
+                <a:latin typeface="Calibri"/>
+              </a:rPr>
+              <a:t>▸ </a:t>
+            </a:r>
+            <a:r>
+              <a:rPr sz="1300">
+                <a:solidFill>
+                  <a:srgbClr val="B0C4DE"/>
+                </a:solidFill>
+                <a:latin typeface="Calibri"/>
+              </a:rPr>
+              <a:t>Early warning: 2–4 hours before critical threshold breach</a:t>
+            </a:r>
+          </a:p>
+          <a:p>
+            <a:pPr>
+              <a:spcAft>
+                <a:spcPts val="600"/>
+              </a:spcAft>
+            </a:pPr>
+            <a:r>
+              <a:rPr sz="1300">
+                <a:solidFill>
+                  <a:srgbClr val="FF6B35"/>
+                </a:solidFill>
+                <a:latin typeface="Calibri"/>
+              </a:rPr>
+              <a:t>▸ </a:t>
+            </a:r>
+            <a:r>
+              <a:rPr sz="1300">
+                <a:solidFill>
+                  <a:srgbClr val="B0C4DE"/>
+                </a:solidFill>
+                <a:latin typeface="Calibri"/>
+              </a:rPr>
+              <a:t>One contextual alert replaces dozens of individual threshold alarms</a:t>
+            </a:r>
+          </a:p>
+          <a:p>
+            <a:pPr>
+              <a:spcAft>
+                <a:spcPts val="600"/>
+              </a:spcAft>
+            </a:pPr>
+            <a:r>
+              <a:rPr sz="1300">
+                <a:solidFill>
+                  <a:srgbClr val="FF6B35"/>
+                </a:solidFill>
+                <a:latin typeface="Calibri"/>
+              </a:rPr>
+              <a:t>▸ </a:t>
+            </a:r>
+            <a:r>
+              <a:rPr sz="1300">
+                <a:solidFill>
+                  <a:srgbClr val="B0C4DE"/>
+                </a:solidFill>
+                <a:latin typeface="Calibri"/>
+              </a:rPr>
+              <a:t>Adapts per patient — no population-average bias</a:t>
+            </a:r>
+          </a:p>
+          <a:p>
+            <a:pPr>
+              <a:spcAft>
+                <a:spcPts val="600"/>
+              </a:spcAft>
+            </a:pPr>
+            <a:r>
+              <a:rPr sz="1300">
+                <a:solidFill>
+                  <a:srgbClr val="FF6B35"/>
+                </a:solidFill>
+                <a:latin typeface="Calibri"/>
+              </a:rPr>
+              <a:t>▸ </a:t>
+            </a:r>
+            <a:r>
+              <a:rPr sz="1300">
+                <a:solidFill>
+                  <a:srgbClr val="B0C4DE"/>
+                </a:solidFill>
+                <a:latin typeface="Calibri"/>
+              </a:rPr>
+              <a:t>No training data or ML infrastructure — works from first admission</a:t>
+            </a:r>
+          </a:p>
+        </p:txBody>
+      </p:sp>
+      <p:sp>
+        <p:nvSpPr>
+          <p:cNvPr id="35" name="Rectangle 34"/>
+          <p:cNvSpPr/>
+          <p:nvPr/>
+        </p:nvSpPr>
+        <p:spPr>
+          <a:xfrm>
+            <a:off x="548640" y="5120640"/>
+            <a:ext cx="7772400" cy="640080"/>
           </a:xfrm>
           <a:prstGeom prst="rect">
             <a:avLst/>
@@ -8288,14 +11563,14 @@
       </p:sp>
       <p:sp>
         <p:nvSpPr>
-          <p:cNvPr id="8" name="TextBox 7"/>
+          <p:cNvPr id="36" name="TextBox 35"/>
           <p:cNvSpPr txBox="1"/>
           <p:nvPr/>
         </p:nvSpPr>
         <p:spPr>
           <a:xfrm>
-            <a:off x="365760" y="2194560"/>
-            <a:ext cx="2651760" cy="320040"/>
+            <a:off x="731520" y="5166360"/>
+            <a:ext cx="7406640" cy="548640"/>
           </a:xfrm>
           <a:prstGeom prst="rect">
             <a:avLst/>
@@ -8308,470 +11583,16 @@
           </a:bodyPr>
           <a:lstStyle/>
           <a:p>
-            <a:pPr algn="ctr">
-              <a:defRPr sz="1400" b="1">
-                <a:solidFill>
-                  <a:srgbClr val="00C9A7"/>
-                </a:solidFill>
-                <a:latin typeface="Calibri"/>
-              </a:defRPr>
-            </a:pPr>
-            <a:r>
-              <a:t>Bedside / Edge</a:t>
-            </a:r>
-          </a:p>
-        </p:txBody>
-      </p:sp>
-      <p:sp>
-        <p:nvSpPr>
-          <p:cNvPr id="9" name="TextBox 8"/>
-          <p:cNvSpPr txBox="1"/>
-          <p:nvPr/>
-        </p:nvSpPr>
-        <p:spPr>
-          <a:xfrm>
-            <a:off x="502920" y="2651760"/>
-            <a:ext cx="2377440" cy="1828800"/>
-          </a:xfrm>
-          <a:prstGeom prst="rect">
-            <a:avLst/>
-          </a:prstGeom>
-          <a:noFill/>
-        </p:spPr>
-        <p:txBody>
-          <a:bodyPr wrap="square">
-            <a:spAutoFit/>
-          </a:bodyPr>
-          <a:lstStyle/>
-          <a:p>
-            <a:pPr algn="l">
-              <a:defRPr sz="1200" b="0">
+            <a:pPr algn="l"/>
+            <a:r>
+              <a:rPr sz="1200">
                 <a:solidFill>
                   <a:srgbClr val="B0C4DE"/>
                 </a:solidFill>
                 <a:latin typeface="Calibri"/>
-              </a:defRPr>
-            </a:pPr>
-            <a:r>
-              <a:t>10 MB single binary</a:t>
-            </a:r>
-            <a:br/>
-            <a:r>
-              <a:t>No JVM required</a:t>
-            </a:r>
-            <a:br/>
-            <a:r>
-              <a:t>Works on ARM / x86</a:t>
-            </a:r>
-            <a:br/>
-            <a:r>
-              <a:t>Air-gapped compatible</a:t>
-            </a:r>
-          </a:p>
-        </p:txBody>
-      </p:sp>
-      <p:sp>
-        <p:nvSpPr>
-          <p:cNvPr id="10" name="Rectangle 9"/>
-          <p:cNvSpPr/>
-          <p:nvPr/>
-        </p:nvSpPr>
-        <p:spPr>
-          <a:xfrm>
-            <a:off x="3200400" y="2103120"/>
-            <a:ext cx="2651760" cy="2560320"/>
-          </a:xfrm>
-          <a:prstGeom prst="rect">
-            <a:avLst/>
-          </a:prstGeom>
-          <a:solidFill>
-            <a:srgbClr val="14283C"/>
-          </a:solidFill>
-          <a:ln>
-            <a:noFill/>
-          </a:ln>
-        </p:spPr>
-        <p:style>
-          <a:lnRef idx="1">
-            <a:schemeClr val="accent1"/>
-          </a:lnRef>
-          <a:fillRef idx="3">
-            <a:schemeClr val="accent1"/>
-          </a:fillRef>
-          <a:effectRef idx="2">
-            <a:schemeClr val="accent1"/>
-          </a:effectRef>
-          <a:fontRef idx="minor">
-            <a:schemeClr val="lt1"/>
-          </a:fontRef>
-        </p:style>
-        <p:txBody>
-          <a:bodyPr rtlCol="0" anchor="ctr"/>
-          <a:lstStyle/>
-          <a:p>
-            <a:pPr algn="ctr"/>
-          </a:p>
-        </p:txBody>
-      </p:sp>
-      <p:sp>
-        <p:nvSpPr>
-          <p:cNvPr id="11" name="TextBox 10"/>
-          <p:cNvSpPr txBox="1"/>
-          <p:nvPr/>
-        </p:nvSpPr>
-        <p:spPr>
-          <a:xfrm>
-            <a:off x="3200400" y="2194560"/>
-            <a:ext cx="2651760" cy="320040"/>
-          </a:xfrm>
-          <a:prstGeom prst="rect">
-            <a:avLst/>
-          </a:prstGeom>
-          <a:noFill/>
-        </p:spPr>
-        <p:txBody>
-          <a:bodyPr wrap="square">
-            <a:spAutoFit/>
-          </a:bodyPr>
-          <a:lstStyle/>
-          <a:p>
-            <a:pPr algn="ctr">
-              <a:defRPr sz="1400" b="1">
-                <a:solidFill>
-                  <a:srgbClr val="00C9A7"/>
-                </a:solidFill>
-                <a:latin typeface="Calibri"/>
-              </a:defRPr>
-            </a:pPr>
-            <a:r>
-              <a:t>Department Server</a:t>
-            </a:r>
-          </a:p>
-        </p:txBody>
-      </p:sp>
-      <p:sp>
-        <p:nvSpPr>
-          <p:cNvPr id="12" name="TextBox 11"/>
-          <p:cNvSpPr txBox="1"/>
-          <p:nvPr/>
-        </p:nvSpPr>
-        <p:spPr>
-          <a:xfrm>
-            <a:off x="3337560" y="2651760"/>
-            <a:ext cx="2377440" cy="1828800"/>
-          </a:xfrm>
-          <a:prstGeom prst="rect">
-            <a:avLst/>
-          </a:prstGeom>
-          <a:noFill/>
-        </p:spPr>
-        <p:txBody>
-          <a:bodyPr wrap="square">
-            <a:spAutoFit/>
-          </a:bodyPr>
-          <a:lstStyle/>
-          <a:p>
-            <a:pPr algn="l">
-              <a:defRPr sz="1200" b="0">
-                <a:solidFill>
-                  <a:srgbClr val="B0C4DE"/>
-                </a:solidFill>
-                <a:latin typeface="Calibri"/>
-              </a:defRPr>
-            </a:pPr>
-            <a:r>
-              <a:t>REST API with multi-tenant</a:t>
-            </a:r>
-            <a:br/>
-            <a:r>
-              <a:t>Monaco editor for rules</a:t>
-            </a:r>
-            <a:br/>
-            <a:r>
-              <a:t>Prometheus monitoring</a:t>
-            </a:r>
-            <a:br/>
-            <a:r>
-              <a:t>Hot reload (zero downtime)</a:t>
-            </a:r>
-          </a:p>
-        </p:txBody>
-      </p:sp>
-      <p:sp>
-        <p:nvSpPr>
-          <p:cNvPr id="13" name="Rectangle 12"/>
-          <p:cNvSpPr/>
-          <p:nvPr/>
-        </p:nvSpPr>
-        <p:spPr>
-          <a:xfrm>
-            <a:off x="6035040" y="2103120"/>
-            <a:ext cx="2651760" cy="2560320"/>
-          </a:xfrm>
-          <a:prstGeom prst="rect">
-            <a:avLst/>
-          </a:prstGeom>
-          <a:solidFill>
-            <a:srgbClr val="14283C"/>
-          </a:solidFill>
-          <a:ln>
-            <a:noFill/>
-          </a:ln>
-        </p:spPr>
-        <p:style>
-          <a:lnRef idx="1">
-            <a:schemeClr val="accent1"/>
-          </a:lnRef>
-          <a:fillRef idx="3">
-            <a:schemeClr val="accent1"/>
-          </a:fillRef>
-          <a:effectRef idx="2">
-            <a:schemeClr val="accent1"/>
-          </a:effectRef>
-          <a:fontRef idx="minor">
-            <a:schemeClr val="lt1"/>
-          </a:fontRef>
-        </p:style>
-        <p:txBody>
-          <a:bodyPr rtlCol="0" anchor="ctr"/>
-          <a:lstStyle/>
-          <a:p>
-            <a:pPr algn="ctr"/>
-          </a:p>
-        </p:txBody>
-      </p:sp>
-      <p:sp>
-        <p:nvSpPr>
-          <p:cNvPr id="14" name="TextBox 13"/>
-          <p:cNvSpPr txBox="1"/>
-          <p:nvPr/>
-        </p:nvSpPr>
-        <p:spPr>
-          <a:xfrm>
-            <a:off x="6035040" y="2194560"/>
-            <a:ext cx="2651760" cy="320040"/>
-          </a:xfrm>
-          <a:prstGeom prst="rect">
-            <a:avLst/>
-          </a:prstGeom>
-          <a:noFill/>
-        </p:spPr>
-        <p:txBody>
-          <a:bodyPr wrap="square">
-            <a:spAutoFit/>
-          </a:bodyPr>
-          <a:lstStyle/>
-          <a:p>
-            <a:pPr algn="ctr">
-              <a:defRPr sz="1400" b="1">
-                <a:solidFill>
-                  <a:srgbClr val="00C9A7"/>
-                </a:solidFill>
-                <a:latin typeface="Calibri"/>
-              </a:defRPr>
-            </a:pPr>
-            <a:r>
-              <a:t>Hospital Network</a:t>
-            </a:r>
-          </a:p>
-        </p:txBody>
-      </p:sp>
-      <p:sp>
-        <p:nvSpPr>
-          <p:cNvPr id="15" name="TextBox 14"/>
-          <p:cNvSpPr txBox="1"/>
-          <p:nvPr/>
-        </p:nvSpPr>
-        <p:spPr>
-          <a:xfrm>
-            <a:off x="6172200" y="2651760"/>
-            <a:ext cx="2377440" cy="1828800"/>
-          </a:xfrm>
-          <a:prstGeom prst="rect">
-            <a:avLst/>
-          </a:prstGeom>
-          <a:noFill/>
-        </p:spPr>
-        <p:txBody>
-          <a:bodyPr wrap="square">
-            <a:spAutoFit/>
-          </a:bodyPr>
-          <a:lstStyle/>
-          <a:p>
-            <a:pPr algn="l">
-              <a:defRPr sz="1200" b="0">
-                <a:solidFill>
-                  <a:srgbClr val="B0C4DE"/>
-                </a:solidFill>
-                <a:latin typeface="Calibri"/>
-              </a:defRPr>
-            </a:pPr>
-            <a:r>
-              <a:t>Distributed cluster mode</a:t>
-            </a:r>
-            <a:br/>
-            <a:r>
-              <a:t>Kubernetes / Helm deploy</a:t>
-            </a:r>
-            <a:br/>
-            <a:r>
-              <a:t>Checkpointing &amp; recovery</a:t>
-            </a:r>
-            <a:br/>
-            <a:r>
-              <a:t>Horizontal auto-scaling</a:t>
-            </a:r>
-          </a:p>
-        </p:txBody>
-      </p:sp>
-      <p:sp>
-        <p:nvSpPr>
-          <p:cNvPr id="16" name="Rectangle 15"/>
-          <p:cNvSpPr/>
-          <p:nvPr/>
-        </p:nvSpPr>
-        <p:spPr>
-          <a:xfrm>
-            <a:off x="548640" y="4937760"/>
-            <a:ext cx="7772400" cy="25400"/>
-          </a:xfrm>
-          <a:prstGeom prst="rect">
-            <a:avLst/>
-          </a:prstGeom>
-          <a:solidFill>
-            <a:srgbClr val="00C9A7"/>
-          </a:solidFill>
-          <a:ln>
-            <a:noFill/>
-          </a:ln>
-        </p:spPr>
-        <p:style>
-          <a:lnRef idx="1">
-            <a:schemeClr val="accent1"/>
-          </a:lnRef>
-          <a:fillRef idx="3">
-            <a:schemeClr val="accent1"/>
-          </a:fillRef>
-          <a:effectRef idx="2">
-            <a:schemeClr val="accent1"/>
-          </a:effectRef>
-          <a:fontRef idx="minor">
-            <a:schemeClr val="lt1"/>
-          </a:fontRef>
-        </p:style>
-        <p:txBody>
-          <a:bodyPr rtlCol="0" anchor="ctr"/>
-          <a:lstStyle/>
-          <a:p>
-            <a:pPr algn="ctr"/>
-          </a:p>
-        </p:txBody>
-      </p:sp>
-      <p:sp>
-        <p:nvSpPr>
-          <p:cNvPr id="17" name="TextBox 16"/>
-          <p:cNvSpPr txBox="1"/>
-          <p:nvPr/>
-        </p:nvSpPr>
-        <p:spPr>
-          <a:xfrm>
-            <a:off x="548640" y="5013960"/>
-            <a:ext cx="7772400" cy="274320"/>
-          </a:xfrm>
-          <a:prstGeom prst="rect">
-            <a:avLst/>
-          </a:prstGeom>
-          <a:noFill/>
-        </p:spPr>
-        <p:txBody>
-          <a:bodyPr wrap="square">
-            <a:spAutoFit/>
-          </a:bodyPr>
-          <a:lstStyle/>
-          <a:p>
-            <a:pPr algn="l">
-              <a:defRPr sz="1000" b="1">
-                <a:solidFill>
-                  <a:srgbClr val="00C9A7"/>
-                </a:solidFill>
-                <a:latin typeface="Calibri"/>
-              </a:defRPr>
-            </a:pPr>
-            <a:r>
-              <a:t>COMPLIANCE &amp; SAFETY</a:t>
-            </a:r>
-          </a:p>
-        </p:txBody>
-      </p:sp>
-      <p:sp>
-        <p:nvSpPr>
-          <p:cNvPr id="18" name="TextBox 17"/>
-          <p:cNvSpPr txBox="1"/>
-          <p:nvPr/>
-        </p:nvSpPr>
-        <p:spPr>
-          <a:xfrm>
-            <a:off x="548640" y="5394960"/>
-            <a:ext cx="7772400" cy="914400"/>
-          </a:xfrm>
-          <a:prstGeom prst="rect">
-            <a:avLst/>
-          </a:prstGeom>
-          <a:noFill/>
-        </p:spPr>
-        <p:txBody>
-          <a:bodyPr wrap="square">
-            <a:spAutoFit/>
-          </a:bodyPr>
-          <a:lstStyle/>
-          <a:p>
-            <a:pPr>
-              <a:spcAft>
-                <a:spcPts val="600"/>
-              </a:spcAft>
-            </a:pPr>
-            <a:r>
-              <a:rPr sz="1300">
-                <a:solidFill>
-                  <a:srgbClr val="00C9A7"/>
-                </a:solidFill>
-                <a:latin typeface="Calibri"/>
-              </a:rPr>
-              <a:t>▸ </a:t>
-            </a:r>
-            <a:r>
-              <a:rPr sz="1300">
-                <a:solidFill>
-                  <a:srgbClr val="B0C4DE"/>
-                </a:solidFill>
-                <a:latin typeface="Calibri"/>
-              </a:rPr>
-              <a:t>Deterministic processing: same input = same output, auditable and reproducible</a:t>
-            </a:r>
-          </a:p>
-          <a:p>
-            <a:pPr>
-              <a:spcAft>
-                <a:spcPts val="600"/>
-              </a:spcAft>
-            </a:pPr>
-            <a:r>
-              <a:rPr sz="1300">
-                <a:solidFill>
-                  <a:srgbClr val="00C9A7"/>
-                </a:solidFill>
-                <a:latin typeface="Calibri"/>
-              </a:rPr>
-              <a:t>▸ </a:t>
-            </a:r>
-            <a:r>
-              <a:rPr sz="1300">
-                <a:solidFill>
-                  <a:srgbClr val="B0C4DE"/>
-                </a:solidFill>
-                <a:latin typeface="Calibri"/>
-              </a:rPr>
-              <a:t>Rust memory safety: no buffer overflows, no null pointer dereferences — by design</a:t>
+              </a:rPr>
+              <a:t>One line in your detection rule enables forecasting:   .forecast(confidence: 0.7, horizon: 2h)
+The engine does the rest — learning, predicting, and alerting — all in real time.</a:t>
             </a:r>
           </a:p>
         </p:txBody>
@@ -8912,7 +11733,7 @@
               </a:defRPr>
             </a:pPr>
             <a:r>
-              <a:t>Clinical and Operational ROI</a:t>
+              <a:t>Deployment Flexibility</a:t>
             </a:r>
           </a:p>
         </p:txBody>
@@ -8962,14 +11783,50 @@
       </p:sp>
       <p:sp>
         <p:nvSpPr>
-          <p:cNvPr id="6" name="Rectangle 5"/>
+          <p:cNvPr id="6" name="TextBox 5"/>
+          <p:cNvSpPr txBox="1"/>
+          <p:nvPr/>
+        </p:nvSpPr>
+        <p:spPr>
+          <a:xfrm>
+            <a:off x="548640" y="1371600"/>
+            <a:ext cx="7772400" cy="457200"/>
+          </a:xfrm>
+          <a:prstGeom prst="rect">
+            <a:avLst/>
+          </a:prstGeom>
+          <a:noFill/>
+        </p:spPr>
+        <p:txBody>
+          <a:bodyPr wrap="square">
+            <a:spAutoFit/>
+          </a:bodyPr>
+          <a:lstStyle/>
+          <a:p>
+            <a:pPr algn="l">
+              <a:defRPr sz="1600" b="0">
+                <a:solidFill>
+                  <a:srgbClr val="B0C4DE"/>
+                </a:solidFill>
+                <a:latin typeface="Calibri"/>
+              </a:defRPr>
+            </a:pPr>
+            <a:r>
+              <a:t>From bedside to enterprise — same engine, same rules, different scale.</a:t>
+            </a:r>
+          </a:p>
+        </p:txBody>
+      </p:sp>
+      <p:sp>
+        <p:nvSpPr>
+          <p:cNvPr id="7" name="Rectangle 6"/>
           <p:cNvSpPr/>
           <p:nvPr/>
         </p:nvSpPr>
         <p:spPr>
           <a:xfrm>
-            <a:off x="274320" y="1463040"/>
-            <a:ext cx="2011680" cy="1097280"/>
+            <a:off x="365760" y="2103120"/>
+            <a:ext cx="2651760" cy="2560320"/>
           </a:xfrm>
           <a:prstGeom prst="rect">
             <a:avLst/>
@@ -9005,14 +11862,14 @@
       </p:sp>
       <p:sp>
         <p:nvSpPr>
-          <p:cNvPr id="7" name="TextBox 6"/>
+          <p:cNvPr id="8" name="TextBox 7"/>
           <p:cNvSpPr txBox="1"/>
           <p:nvPr/>
         </p:nvSpPr>
         <p:spPr>
           <a:xfrm>
-            <a:off x="274320" y="1600200"/>
-            <a:ext cx="2011680" cy="548640"/>
+            <a:off x="365760" y="2194560"/>
+            <a:ext cx="2651760" cy="320040"/>
           </a:xfrm>
           <a:prstGeom prst="rect">
             <a:avLst/>
@@ -9026,7 +11883,7 @@
           <a:lstStyle/>
           <a:p>
             <a:pPr algn="ctr">
-              <a:defRPr sz="3600" b="1">
+              <a:defRPr sz="1400" b="1">
                 <a:solidFill>
                   <a:srgbClr val="00C9A7"/>
                 </a:solidFill>
@@ -9034,21 +11891,21 @@
               </a:defRPr>
             </a:pPr>
             <a:r>
-              <a:t>&lt; 1 ms</a:t>
-            </a:r>
-          </a:p>
-        </p:txBody>
-      </p:sp>
-      <p:sp>
-        <p:nvSpPr>
-          <p:cNvPr id="8" name="TextBox 7"/>
+              <a:t>Bedside / Edge</a:t>
+            </a:r>
+          </a:p>
+        </p:txBody>
+      </p:sp>
+      <p:sp>
+        <p:nvSpPr>
+          <p:cNvPr id="9" name="TextBox 8"/>
           <p:cNvSpPr txBox="1"/>
           <p:nvPr/>
         </p:nvSpPr>
         <p:spPr>
           <a:xfrm>
-            <a:off x="365760" y="2103120"/>
-            <a:ext cx="1828800" cy="457200"/>
+            <a:off x="502920" y="2651760"/>
+            <a:ext cx="2377440" cy="1828800"/>
           </a:xfrm>
           <a:prstGeom prst="rect">
             <a:avLst/>
@@ -9061,8 +11918,8 @@
           </a:bodyPr>
           <a:lstStyle/>
           <a:p>
-            <a:pPr algn="ctr">
-              <a:defRPr sz="1100" b="0">
+            <a:pPr algn="l">
+              <a:defRPr sz="1200" b="0">
                 <a:solidFill>
                   <a:srgbClr val="B0C4DE"/>
                 </a:solidFill>
@@ -9070,25 +11927,33 @@
               </a:defRPr>
             </a:pPr>
             <a:r>
-              <a:t>Alert before</a:t>
+              <a:t>10 MB single binary</a:t>
             </a:r>
             <a:br/>
             <a:r>
-              <a:t>administration</a:t>
-            </a:r>
-          </a:p>
-        </p:txBody>
-      </p:sp>
-      <p:sp>
-        <p:nvSpPr>
-          <p:cNvPr id="9" name="Rectangle 8"/>
+              <a:t>No JVM required</a:t>
+            </a:r>
+            <a:br/>
+            <a:r>
+              <a:t>Works on ARM / x86</a:t>
+            </a:r>
+            <a:br/>
+            <a:r>
+              <a:t>Air-gapped compatible</a:t>
+            </a:r>
+          </a:p>
+        </p:txBody>
+      </p:sp>
+      <p:sp>
+        <p:nvSpPr>
+          <p:cNvPr id="10" name="Rectangle 9"/>
           <p:cNvSpPr/>
           <p:nvPr/>
         </p:nvSpPr>
         <p:spPr>
           <a:xfrm>
-            <a:off x="2468880" y="1463040"/>
-            <a:ext cx="2011680" cy="1097280"/>
+            <a:off x="3200400" y="2103120"/>
+            <a:ext cx="2651760" cy="2560320"/>
           </a:xfrm>
           <a:prstGeom prst="rect">
             <a:avLst/>
@@ -9124,14 +11989,14 @@
       </p:sp>
       <p:sp>
         <p:nvSpPr>
-          <p:cNvPr id="10" name="TextBox 9"/>
+          <p:cNvPr id="11" name="TextBox 10"/>
           <p:cNvSpPr txBox="1"/>
           <p:nvPr/>
         </p:nvSpPr>
         <p:spPr>
           <a:xfrm>
-            <a:off x="2468880" y="1600200"/>
-            <a:ext cx="2011680" cy="548640"/>
+            <a:off x="3200400" y="2194560"/>
+            <a:ext cx="2651760" cy="320040"/>
           </a:xfrm>
           <a:prstGeom prst="rect">
             <a:avLst/>
@@ -9145,29 +12010,29 @@
           <a:lstStyle/>
           <a:p>
             <a:pPr algn="ctr">
-              <a:defRPr sz="3600" b="1">
-                <a:solidFill>
-                  <a:srgbClr val="845EF7"/>
+              <a:defRPr sz="1400" b="1">
+                <a:solidFill>
+                  <a:srgbClr val="00C9A7"/>
                 </a:solidFill>
                 <a:latin typeface="Calibri"/>
               </a:defRPr>
             </a:pPr>
             <a:r>
-              <a:t>90%</a:t>
-            </a:r>
-          </a:p>
-        </p:txBody>
-      </p:sp>
-      <p:sp>
-        <p:nvSpPr>
-          <p:cNvPr id="11" name="TextBox 10"/>
+              <a:t>Department Server</a:t>
+            </a:r>
+          </a:p>
+        </p:txBody>
+      </p:sp>
+      <p:sp>
+        <p:nvSpPr>
+          <p:cNvPr id="12" name="TextBox 11"/>
           <p:cNvSpPr txBox="1"/>
           <p:nvPr/>
         </p:nvSpPr>
         <p:spPr>
           <a:xfrm>
-            <a:off x="2560320" y="2103120"/>
-            <a:ext cx="1828800" cy="457200"/>
+            <a:off x="3337560" y="2651760"/>
+            <a:ext cx="2377440" cy="1828800"/>
           </a:xfrm>
           <a:prstGeom prst="rect">
             <a:avLst/>
@@ -9180,8 +12045,8 @@
           </a:bodyPr>
           <a:lstStyle/>
           <a:p>
-            <a:pPr algn="ctr">
-              <a:defRPr sz="1100" b="0">
+            <a:pPr algn="l">
+              <a:defRPr sz="1200" b="0">
                 <a:solidFill>
                   <a:srgbClr val="B0C4DE"/>
                 </a:solidFill>
@@ -9189,25 +12054,33 @@
               </a:defRPr>
             </a:pPr>
             <a:r>
-              <a:t>Alarm fatigue</a:t>
+              <a:t>REST API with multi-tenant</a:t>
             </a:r>
             <a:br/>
             <a:r>
-              <a:t>reduction</a:t>
-            </a:r>
-          </a:p>
-        </p:txBody>
-      </p:sp>
-      <p:sp>
-        <p:nvSpPr>
-          <p:cNvPr id="12" name="Rectangle 11"/>
+              <a:t>Monaco editor for rules</a:t>
+            </a:r>
+            <a:br/>
+            <a:r>
+              <a:t>Prometheus monitoring</a:t>
+            </a:r>
+            <a:br/>
+            <a:r>
+              <a:t>Hot reload (zero downtime)</a:t>
+            </a:r>
+          </a:p>
+        </p:txBody>
+      </p:sp>
+      <p:sp>
+        <p:nvSpPr>
+          <p:cNvPr id="13" name="Rectangle 12"/>
           <p:cNvSpPr/>
           <p:nvPr/>
         </p:nvSpPr>
         <p:spPr>
           <a:xfrm>
-            <a:off x="4663440" y="1463040"/>
-            <a:ext cx="2011680" cy="1097280"/>
+            <a:off x="6035040" y="2103120"/>
+            <a:ext cx="2651760" cy="2560320"/>
           </a:xfrm>
           <a:prstGeom prst="rect">
             <a:avLst/>
@@ -9243,14 +12116,14 @@
       </p:sp>
       <p:sp>
         <p:nvSpPr>
-          <p:cNvPr id="13" name="TextBox 12"/>
+          <p:cNvPr id="14" name="TextBox 13"/>
           <p:cNvSpPr txBox="1"/>
           <p:nvPr/>
         </p:nvSpPr>
         <p:spPr>
           <a:xfrm>
-            <a:off x="4663440" y="1600200"/>
-            <a:ext cx="2011680" cy="548640"/>
+            <a:off x="6035040" y="2194560"/>
+            <a:ext cx="2651760" cy="320040"/>
           </a:xfrm>
           <a:prstGeom prst="rect">
             <a:avLst/>
@@ -9264,7 +12137,7 @@
           <a:lstStyle/>
           <a:p>
             <a:pPr algn="ctr">
-              <a:defRPr sz="3600" b="1">
+              <a:defRPr sz="1400" b="1">
                 <a:solidFill>
                   <a:srgbClr val="00C9A7"/>
                 </a:solidFill>
@@ -9272,21 +12145,21 @@
               </a:defRPr>
             </a:pPr>
             <a:r>
-              <a:t>5×</a:t>
-            </a:r>
-          </a:p>
-        </p:txBody>
-      </p:sp>
-      <p:sp>
-        <p:nvSpPr>
-          <p:cNvPr id="14" name="TextBox 13"/>
+              <a:t>Hospital Network</a:t>
+            </a:r>
+          </a:p>
+        </p:txBody>
+      </p:sp>
+      <p:sp>
+        <p:nvSpPr>
+          <p:cNvPr id="15" name="TextBox 14"/>
           <p:cNvSpPr txBox="1"/>
           <p:nvPr/>
         </p:nvSpPr>
         <p:spPr>
           <a:xfrm>
-            <a:off x="4754880" y="2103120"/>
-            <a:ext cx="1828800" cy="457200"/>
+            <a:off x="6172200" y="2651760"/>
+            <a:ext cx="2377440" cy="1828800"/>
           </a:xfrm>
           <a:prstGeom prst="rect">
             <a:avLst/>
@@ -9299,8 +12172,8 @@
           </a:bodyPr>
           <a:lstStyle/>
           <a:p>
-            <a:pPr algn="ctr">
-              <a:defRPr sz="1100" b="0">
+            <a:pPr algn="l">
+              <a:defRPr sz="1200" b="0">
                 <a:solidFill>
                   <a:srgbClr val="B0C4DE"/>
                 </a:solidFill>
@@ -9308,143 +12181,32 @@
               </a:defRPr>
             </a:pPr>
             <a:r>
-              <a:t>More patterns</a:t>
+              <a:t>Distributed cluster mode</a:t>
             </a:r>
             <a:br/>
             <a:r>
-              <a:t>detected</a:t>
-            </a:r>
-          </a:p>
-        </p:txBody>
-      </p:sp>
-      <p:sp>
-        <p:nvSpPr>
-          <p:cNvPr id="15" name="Rectangle 14"/>
+              <a:t>Kubernetes / Helm deploy</a:t>
+            </a:r>
+            <a:br/>
+            <a:r>
+              <a:t>Checkpointing &amp; recovery</a:t>
+            </a:r>
+            <a:br/>
+            <a:r>
+              <a:t>Horizontal auto-scaling</a:t>
+            </a:r>
+          </a:p>
+        </p:txBody>
+      </p:sp>
+      <p:sp>
+        <p:nvSpPr>
+          <p:cNvPr id="16" name="Rectangle 15"/>
           <p:cNvSpPr/>
           <p:nvPr/>
         </p:nvSpPr>
         <p:spPr>
           <a:xfrm>
-            <a:off x="6858000" y="1463040"/>
-            <a:ext cx="2011680" cy="1097280"/>
-          </a:xfrm>
-          <a:prstGeom prst="rect">
-            <a:avLst/>
-          </a:prstGeom>
-          <a:solidFill>
-            <a:srgbClr val="14283C"/>
-          </a:solidFill>
-          <a:ln>
-            <a:noFill/>
-          </a:ln>
-        </p:spPr>
-        <p:style>
-          <a:lnRef idx="1">
-            <a:schemeClr val="accent1"/>
-          </a:lnRef>
-          <a:fillRef idx="3">
-            <a:schemeClr val="accent1"/>
-          </a:fillRef>
-          <a:effectRef idx="2">
-            <a:schemeClr val="accent1"/>
-          </a:effectRef>
-          <a:fontRef idx="minor">
-            <a:schemeClr val="lt1"/>
-          </a:fontRef>
-        </p:style>
-        <p:txBody>
-          <a:bodyPr rtlCol="0" anchor="ctr"/>
-          <a:lstStyle/>
-          <a:p>
-            <a:pPr algn="ctr"/>
-          </a:p>
-        </p:txBody>
-      </p:sp>
-      <p:sp>
-        <p:nvSpPr>
-          <p:cNvPr id="16" name="TextBox 15"/>
-          <p:cNvSpPr txBox="1"/>
-          <p:nvPr/>
-        </p:nvSpPr>
-        <p:spPr>
-          <a:xfrm>
-            <a:off x="6858000" y="1600200"/>
-            <a:ext cx="2011680" cy="548640"/>
-          </a:xfrm>
-          <a:prstGeom prst="rect">
-            <a:avLst/>
-          </a:prstGeom>
-          <a:noFill/>
-        </p:spPr>
-        <p:txBody>
-          <a:bodyPr wrap="square">
-            <a:spAutoFit/>
-          </a:bodyPr>
-          <a:lstStyle/>
-          <a:p>
-            <a:pPr algn="ctr">
-              <a:defRPr sz="3600" b="1">
-                <a:solidFill>
-                  <a:srgbClr val="845EF7"/>
-                </a:solidFill>
-                <a:latin typeface="Calibri"/>
-              </a:defRPr>
-            </a:pPr>
-            <a:r>
-              <a:t>15×</a:t>
-            </a:r>
-          </a:p>
-        </p:txBody>
-      </p:sp>
-      <p:sp>
-        <p:nvSpPr>
-          <p:cNvPr id="17" name="TextBox 16"/>
-          <p:cNvSpPr txBox="1"/>
-          <p:nvPr/>
-        </p:nvSpPr>
-        <p:spPr>
-          <a:xfrm>
-            <a:off x="6949440" y="2103120"/>
-            <a:ext cx="1828800" cy="457200"/>
-          </a:xfrm>
-          <a:prstGeom prst="rect">
-            <a:avLst/>
-          </a:prstGeom>
-          <a:noFill/>
-        </p:spPr>
-        <p:txBody>
-          <a:bodyPr wrap="square">
-            <a:spAutoFit/>
-          </a:bodyPr>
-          <a:lstStyle/>
-          <a:p>
-            <a:pPr algn="ctr">
-              <a:defRPr sz="1100" b="0">
-                <a:solidFill>
-                  <a:srgbClr val="B0C4DE"/>
-                </a:solidFill>
-                <a:latin typeface="Calibri"/>
-              </a:defRPr>
-            </a:pPr>
-            <a:r>
-              <a:t>Less memory</a:t>
-            </a:r>
-            <a:br/>
-            <a:r>
-              <a:t>than legacy CEP</a:t>
-            </a:r>
-          </a:p>
-        </p:txBody>
-      </p:sp>
-      <p:sp>
-        <p:nvSpPr>
-          <p:cNvPr id="18" name="Rectangle 17"/>
-          <p:cNvSpPr/>
-          <p:nvPr/>
-        </p:nvSpPr>
-        <p:spPr>
-          <a:xfrm>
-            <a:off x="548640" y="2926080"/>
+            <a:off x="548640" y="4937760"/>
             <a:ext cx="7772400" cy="25400"/>
           </a:xfrm>
           <a:prstGeom prst="rect">
@@ -9481,13 +12243,13 @@
       </p:sp>
       <p:sp>
         <p:nvSpPr>
-          <p:cNvPr id="19" name="TextBox 18"/>
+          <p:cNvPr id="17" name="TextBox 16"/>
           <p:cNvSpPr txBox="1"/>
           <p:nvPr/>
         </p:nvSpPr>
         <p:spPr>
           <a:xfrm>
-            <a:off x="548640" y="3002280"/>
+            <a:off x="548640" y="5013960"/>
             <a:ext cx="7772400" cy="274320"/>
           </a:xfrm>
           <a:prstGeom prst="rect">
@@ -9510,21 +12272,21 @@
               </a:defRPr>
             </a:pPr>
             <a:r>
-              <a:t>CLINICAL OUTCOMES</a:t>
-            </a:r>
-          </a:p>
-        </p:txBody>
-      </p:sp>
-      <p:sp>
-        <p:nvSpPr>
-          <p:cNvPr id="20" name="TextBox 19"/>
+              <a:t>COMPLIANCE &amp; SAFETY</a:t>
+            </a:r>
+          </a:p>
+        </p:txBody>
+      </p:sp>
+      <p:sp>
+        <p:nvSpPr>
+          <p:cNvPr id="18" name="TextBox 17"/>
           <p:cNvSpPr txBox="1"/>
           <p:nvPr/>
         </p:nvSpPr>
         <p:spPr>
           <a:xfrm>
-            <a:off x="548640" y="3383280"/>
-            <a:ext cx="7772400" cy="2743200"/>
+            <a:off x="548640" y="5394960"/>
+            <a:ext cx="7772400" cy="914400"/>
           </a:xfrm>
           <a:prstGeom prst="rect">
             <a:avLst/>
@@ -9543,7 +12305,7 @@
               </a:spcAft>
             </a:pPr>
             <a:r>
-              <a:rPr sz="1500">
+              <a:rPr sz="1300">
                 <a:solidFill>
                   <a:srgbClr val="00C9A7"/>
                 </a:solidFill>
@@ -9552,13 +12314,13 @@
               <a:t>▸ </a:t>
             </a:r>
             <a:r>
-              <a:rPr sz="1500">
+              <a:rPr sz="1300">
                 <a:solidFill>
                   <a:srgbClr val="B0C4DE"/>
                 </a:solidFill>
                 <a:latin typeface="Calibri"/>
               </a:rPr>
-              <a:t>Adverse drug event prevention: detect interactions before medication reaches the patient</a:t>
+              <a:t>Deterministic processing: same input = same output, auditable and reproducible</a:t>
             </a:r>
           </a:p>
           <a:p>
@@ -9568,7 +12330,7 @@
               </a:spcAft>
             </a:pPr>
             <a:r>
-              <a:rPr sz="1500">
+              <a:rPr sz="1300">
                 <a:solidFill>
                   <a:srgbClr val="00C9A7"/>
                 </a:solidFill>
@@ -9577,88 +12339,13 @@
               <a:t>▸ </a:t>
             </a:r>
             <a:r>
-              <a:rPr sz="1500">
+              <a:rPr sz="1300">
                 <a:solidFill>
                   <a:srgbClr val="B0C4DE"/>
                 </a:solidFill>
                 <a:latin typeface="Calibri"/>
               </a:rPr>
-              <a:t>Early deterioration detection: trend-based alerts 2–4 hours before critical thresholds</a:t>
-            </a:r>
-          </a:p>
-          <a:p>
-            <a:pPr>
-              <a:spcAft>
-                <a:spcPts val="600"/>
-              </a:spcAft>
-            </a:pPr>
-            <a:r>
-              <a:rPr sz="1500">
-                <a:solidFill>
-                  <a:srgbClr val="00C9A7"/>
-                </a:solidFill>
-                <a:latin typeface="Calibri"/>
-              </a:rPr>
-              <a:t>▸ </a:t>
-            </a:r>
-            <a:r>
-              <a:rPr sz="1500">
-                <a:solidFill>
-                  <a:srgbClr val="B0C4DE"/>
-                </a:solidFill>
-                <a:latin typeface="Calibri"/>
-              </a:rPr>
-              <a:t>Alarm fatigue reduction: correlated clinical context replaces cascading threshold alerts</a:t>
-            </a:r>
-          </a:p>
-          <a:p>
-            <a:pPr>
-              <a:spcAft>
-                <a:spcPts val="600"/>
-              </a:spcAft>
-            </a:pPr>
-            <a:r>
-              <a:rPr sz="1500">
-                <a:solidFill>
-                  <a:srgbClr val="00C9A7"/>
-                </a:solidFill>
-                <a:latin typeface="Calibri"/>
-              </a:rPr>
-              <a:t>▸ </a:t>
-            </a:r>
-            <a:r>
-              <a:rPr sz="1500">
-                <a:solidFill>
-                  <a:srgbClr val="B0C4DE"/>
-                </a:solidFill>
-                <a:latin typeface="Calibri"/>
-              </a:rPr>
-              <a:t>Infrastructure efficiency: 10 MB footprint enables bedside and edge deployment</a:t>
-            </a:r>
-          </a:p>
-          <a:p>
-            <a:pPr>
-              <a:spcAft>
-                <a:spcPts val="600"/>
-              </a:spcAft>
-            </a:pPr>
-            <a:r>
-              <a:rPr sz="1500">
-                <a:solidFill>
-                  <a:srgbClr val="00C9A7"/>
-                </a:solidFill>
-                <a:latin typeface="Calibri"/>
-              </a:rPr>
-              <a:t>▸ </a:t>
-            </a:r>
-            <a:r>
-              <a:rPr sz="1500">
-                <a:solidFill>
-                  <a:srgbClr val="B0C4DE"/>
-                </a:solidFill>
-                <a:latin typeface="Calibri"/>
-              </a:rPr>
-              <a:t>Clinician trust: readable rules that clinical staff can review and validate</a:t>
+              <a:t>Rust memory safety: no buffer overflows, no null pointer dereferences — by design</a:t>
             </a:r>
           </a:p>
         </p:txBody>
